--- a/trunk/DimesVis/Documentation/FinalProjectFinalPresentation.pptx
+++ b/trunk/DimesVis/Documentation/FinalProjectFinalPresentation.pptx
@@ -8,23 +8,24 @@
     <p:sldId id="256" r:id="rId2"/>
     <p:sldId id="257" r:id="rId3"/>
     <p:sldId id="258" r:id="rId4"/>
-    <p:sldId id="259" r:id="rId5"/>
-    <p:sldId id="260" r:id="rId6"/>
-    <p:sldId id="261" r:id="rId7"/>
-    <p:sldId id="262" r:id="rId8"/>
-    <p:sldId id="263" r:id="rId9"/>
-    <p:sldId id="266" r:id="rId10"/>
-    <p:sldId id="265" r:id="rId11"/>
-    <p:sldId id="275" r:id="rId12"/>
-    <p:sldId id="274" r:id="rId13"/>
-    <p:sldId id="267" r:id="rId14"/>
-    <p:sldId id="268" r:id="rId15"/>
-    <p:sldId id="269" r:id="rId16"/>
-    <p:sldId id="270" r:id="rId17"/>
-    <p:sldId id="273" r:id="rId18"/>
-    <p:sldId id="272" r:id="rId19"/>
-    <p:sldId id="271" r:id="rId20"/>
-    <p:sldId id="264" r:id="rId21"/>
+    <p:sldId id="276" r:id="rId5"/>
+    <p:sldId id="259" r:id="rId6"/>
+    <p:sldId id="260" r:id="rId7"/>
+    <p:sldId id="261" r:id="rId8"/>
+    <p:sldId id="262" r:id="rId9"/>
+    <p:sldId id="263" r:id="rId10"/>
+    <p:sldId id="266" r:id="rId11"/>
+    <p:sldId id="265" r:id="rId12"/>
+    <p:sldId id="275" r:id="rId13"/>
+    <p:sldId id="274" r:id="rId14"/>
+    <p:sldId id="267" r:id="rId15"/>
+    <p:sldId id="268" r:id="rId16"/>
+    <p:sldId id="269" r:id="rId17"/>
+    <p:sldId id="270" r:id="rId18"/>
+    <p:sldId id="273" r:id="rId19"/>
+    <p:sldId id="272" r:id="rId20"/>
+    <p:sldId id="271" r:id="rId21"/>
+    <p:sldId id="264" r:id="rId22"/>
   </p:sldIdLst>
   <p:sldSz cx="9144000" cy="6858000" type="screen4x3"/>
   <p:notesSz cx="6858000" cy="9144000"/>
@@ -3191,34 +3192,7 @@
                   </a:glow>
                 </a:effectLst>
               </a:rPr>
-              <a:t>of </a:t>
-            </a:r>
-            <a:r>
-              <a:rPr lang="en-US" sz="5400" b="1" spc="50" dirty="0" smtClean="0">
-                <a:ln w="12700" cmpd="sng">
-                  <a:solidFill>
-                    <a:schemeClr val="accent6">
-                      <a:satMod val="120000"/>
-                      <a:shade val="80000"/>
-                    </a:schemeClr>
-                  </a:solidFill>
-                  <a:prstDash val="solid"/>
-                </a:ln>
-                <a:solidFill>
-                  <a:schemeClr val="accent6">
-                    <a:tint val="1000"/>
-                  </a:schemeClr>
-                </a:solidFill>
-                <a:effectLst>
-                  <a:glow rad="53100">
-                    <a:schemeClr val="accent6">
-                      <a:satMod val="180000"/>
-                      <a:alpha val="30000"/>
-                    </a:schemeClr>
-                  </a:glow>
-                </a:effectLst>
-              </a:rPr>
-              <a:t>Network Distances</a:t>
+              <a:t>of Network Distances</a:t>
             </a:r>
             <a:endParaRPr lang="en-US" sz="5400" b="1" spc="50" dirty="0">
               <a:ln w="12700" cmpd="sng">
@@ -3298,6 +3272,163 @@
           </a:fontRef>
         </p:style>
         <p:txBody>
+          <a:bodyPr>
+            <a:normAutofit/>
+          </a:bodyPr>
+          <a:lstStyle/>
+          <a:p>
+            <a:r>
+              <a:rPr lang="he-IL" dirty="0" smtClean="0"/>
+              <a:t>אשרור</a:t>
+            </a:r>
+            <a:endParaRPr lang="he-IL" dirty="0"/>
+          </a:p>
+        </p:txBody>
+      </p:sp>
+      <p:sp>
+        <p:nvSpPr>
+          <p:cNvPr id="3" name="Content Placeholder 2"/>
+          <p:cNvSpPr>
+            <a:spLocks noGrp="1"/>
+          </p:cNvSpPr>
+          <p:nvPr>
+            <p:ph idx="1"/>
+          </p:nvPr>
+        </p:nvSpPr>
+        <p:spPr>
+          <a:xfrm>
+            <a:off x="3124200" y="1600200"/>
+            <a:ext cx="5562600" cy="4709160"/>
+          </a:xfrm>
+        </p:spPr>
+        <p:txBody>
+          <a:bodyPr>
+            <a:normAutofit/>
+          </a:bodyPr>
+          <a:lstStyle/>
+          <a:p>
+            <a:pPr>
+              <a:buNone/>
+            </a:pPr>
+            <a:r>
+              <a:rPr lang="he-IL" dirty="0" smtClean="0"/>
+              <a:t>לאחר שמשתמש סיים לבחור את התצורה, יופיע בפניו מסך סיכום ואישור כי הוא אכן הזין את הנתונים כפי שרצה.</a:t>
+            </a:r>
+          </a:p>
+          <a:p>
+            <a:pPr>
+              <a:buNone/>
+            </a:pPr>
+            <a:r>
+              <a:rPr lang="he-IL" dirty="0" smtClean="0"/>
+              <a:t>אם קרה מצב שבו ישנה סתירה בנתונים, או ישנם נתונים שגויים, המערכת תתריע בפני המשתמש.</a:t>
+            </a:r>
+          </a:p>
+          <a:p>
+            <a:pPr>
+              <a:buNone/>
+            </a:pPr>
+            <a:endParaRPr lang="he-IL" sz="2000" dirty="0" smtClean="0"/>
+          </a:p>
+          <a:p>
+            <a:pPr>
+              <a:buNone/>
+            </a:pPr>
+            <a:r>
+              <a:rPr lang="he-IL" sz="2000" dirty="0" smtClean="0"/>
+              <a:t>! חשוב לציין, המערכת הינה גנרית וככזו היא אינה יכולה לבדוק מראש כל טעות אפשרית ולכן הזנת הנתונים היא קודם כל באחריות המשתמש!</a:t>
+            </a:r>
+          </a:p>
+        </p:txBody>
+      </p:sp>
+      <p:pic>
+        <p:nvPicPr>
+          <p:cNvPr id="7" name="Picture 6"/>
+          <p:cNvPicPr/>
+          <p:nvPr/>
+        </p:nvPicPr>
+        <p:blipFill>
+          <a:blip r:embed="rId2" cstate="print"/>
+          <a:srcRect/>
+          <a:stretch>
+            <a:fillRect/>
+          </a:stretch>
+        </p:blipFill>
+        <p:spPr bwMode="auto">
+          <a:xfrm>
+            <a:off x="304800" y="1828800"/>
+            <a:ext cx="2667000" cy="4784163"/>
+          </a:xfrm>
+          <a:prstGeom prst="rect">
+            <a:avLst/>
+          </a:prstGeom>
+          <a:noFill/>
+          <a:ln w="9525">
+            <a:noFill/>
+            <a:miter lim="800000"/>
+            <a:headEnd/>
+            <a:tailEnd/>
+          </a:ln>
+        </p:spPr>
+      </p:pic>
+    </p:spTree>
+  </p:cSld>
+  <p:clrMapOvr>
+    <a:masterClrMapping/>
+  </p:clrMapOvr>
+  <p:timing>
+    <p:tnLst>
+      <p:par>
+        <p:cTn id="1" dur="indefinite" restart="never" nodeType="tmRoot"/>
+      </p:par>
+    </p:tnLst>
+  </p:timing>
+</p:sld>
+</file>
+
+<file path=ppt/slides/slide11.xml><?xml version="1.0" encoding="utf-8"?>
+<p:sld xmlns:a="http://schemas.openxmlformats.org/drawingml/2006/main" xmlns:r="http://schemas.openxmlformats.org/officeDocument/2006/relationships" xmlns:p="http://schemas.openxmlformats.org/presentationml/2006/main">
+  <p:cSld>
+    <p:spTree>
+      <p:nvGrpSpPr>
+        <p:cNvPr id="1" name=""/>
+        <p:cNvGrpSpPr/>
+        <p:nvPr/>
+      </p:nvGrpSpPr>
+      <p:grpSpPr>
+        <a:xfrm>
+          <a:off x="0" y="0"/>
+          <a:ext cx="0" cy="0"/>
+          <a:chOff x="0" y="0"/>
+          <a:chExt cx="0" cy="0"/>
+        </a:xfrm>
+      </p:grpSpPr>
+      <p:sp>
+        <p:nvSpPr>
+          <p:cNvPr id="2" name="Title 1"/>
+          <p:cNvSpPr>
+            <a:spLocks noGrp="1"/>
+          </p:cNvSpPr>
+          <p:nvPr>
+            <p:ph type="title"/>
+          </p:nvPr>
+        </p:nvSpPr>
+        <p:spPr/>
+        <p:style>
+          <a:lnRef idx="1">
+            <a:schemeClr val="accent4"/>
+          </a:lnRef>
+          <a:fillRef idx="2">
+            <a:schemeClr val="accent4"/>
+          </a:fillRef>
+          <a:effectRef idx="1">
+            <a:schemeClr val="accent4"/>
+          </a:effectRef>
+          <a:fontRef idx="minor">
+            <a:schemeClr val="dk1"/>
+          </a:fontRef>
+        </p:style>
+        <p:txBody>
           <a:bodyPr/>
           <a:lstStyle/>
           <a:p>
@@ -3361,7 +3492,7 @@
         </p:xfrm>
         <a:graphic>
           <a:graphicData uri="http://schemas.openxmlformats.org/presentationml/2006/ole">
-            <p:oleObj spid="_x0000_s19461" r:id="rId3" imgW="8798230" imgH="5750190" progId="Visio.Drawing.11">
+            <p:oleObj spid="_x0000_s19461" r:id="rId3" imgW="8798230" imgH="5750190" progId="">
               <p:embed/>
             </p:oleObj>
           </a:graphicData>
@@ -3457,205 +3588,6 @@
 </p:sld>
 </file>
 
-<file path=ppt/slides/slide11.xml><?xml version="1.0" encoding="utf-8"?>
-<p:sld xmlns:a="http://schemas.openxmlformats.org/drawingml/2006/main" xmlns:r="http://schemas.openxmlformats.org/officeDocument/2006/relationships" xmlns:p="http://schemas.openxmlformats.org/presentationml/2006/main">
-  <p:cSld>
-    <p:spTree>
-      <p:nvGrpSpPr>
-        <p:cNvPr id="1" name=""/>
-        <p:cNvGrpSpPr/>
-        <p:nvPr/>
-      </p:nvGrpSpPr>
-      <p:grpSpPr>
-        <a:xfrm>
-          <a:off x="0" y="0"/>
-          <a:ext cx="0" cy="0"/>
-          <a:chOff x="0" y="0"/>
-          <a:chExt cx="0" cy="0"/>
-        </a:xfrm>
-      </p:grpSpPr>
-      <p:sp>
-        <p:nvSpPr>
-          <p:cNvPr id="2" name="Title 1"/>
-          <p:cNvSpPr>
-            <a:spLocks noGrp="1"/>
-          </p:cNvSpPr>
-          <p:nvPr>
-            <p:ph type="title"/>
-          </p:nvPr>
-        </p:nvSpPr>
-        <p:spPr/>
-        <p:style>
-          <a:lnRef idx="1">
-            <a:schemeClr val="accent4"/>
-          </a:lnRef>
-          <a:fillRef idx="2">
-            <a:schemeClr val="accent4"/>
-          </a:fillRef>
-          <a:effectRef idx="1">
-            <a:schemeClr val="accent4"/>
-          </a:effectRef>
-          <a:fontRef idx="minor">
-            <a:schemeClr val="dk1"/>
-          </a:fontRef>
-        </p:style>
-        <p:txBody>
-          <a:bodyPr>
-            <a:normAutofit/>
-          </a:bodyPr>
-          <a:lstStyle/>
-          <a:p>
-            <a:r>
-              <a:rPr lang="he-IL" dirty="0" smtClean="0"/>
-              <a:t>מודול ה-</a:t>
-            </a:r>
-            <a:r>
-              <a:rPr lang="en-US" dirty="0" smtClean="0"/>
-              <a:t>Java</a:t>
-            </a:r>
-            <a:r>
-              <a:rPr lang="he-IL" dirty="0" smtClean="0"/>
-              <a:t> בעבודה מול </a:t>
-            </a:r>
-            <a:r>
-              <a:rPr lang="en-US" dirty="0" smtClean="0"/>
-              <a:t>DIMES</a:t>
-            </a:r>
-            <a:endParaRPr lang="he-IL" dirty="0"/>
-          </a:p>
-        </p:txBody>
-      </p:sp>
-      <p:sp>
-        <p:nvSpPr>
-          <p:cNvPr id="3" name="Content Placeholder 2"/>
-          <p:cNvSpPr>
-            <a:spLocks noGrp="1"/>
-          </p:cNvSpPr>
-          <p:nvPr>
-            <p:ph idx="1"/>
-          </p:nvPr>
-        </p:nvSpPr>
-        <p:spPr>
-          <a:xfrm>
-            <a:off x="381000" y="1600200"/>
-            <a:ext cx="8305800" cy="4709160"/>
-          </a:xfrm>
-        </p:spPr>
-        <p:txBody>
-          <a:bodyPr>
-            <a:normAutofit lnSpcReduction="10000"/>
-          </a:bodyPr>
-          <a:lstStyle/>
-          <a:p>
-            <a:pPr>
-              <a:buNone/>
-            </a:pPr>
-            <a:r>
-              <a:rPr lang="he-IL" dirty="0" smtClean="0"/>
-              <a:t>לאחר שהמשתמש אישר את בחירותיו המערכת מעבירה את המידע למודול המתקשר מול ה-</a:t>
-            </a:r>
-            <a:r>
-              <a:rPr lang="en-US" dirty="0" smtClean="0"/>
-              <a:t>DB</a:t>
-            </a:r>
-            <a:r>
-              <a:rPr lang="he-IL" dirty="0" smtClean="0"/>
-              <a:t> של </a:t>
-            </a:r>
-            <a:r>
-              <a:rPr lang="en-US" dirty="0" smtClean="0"/>
-              <a:t>DIMES</a:t>
-            </a:r>
-            <a:r>
-              <a:rPr lang="he-IL" dirty="0" smtClean="0"/>
-              <a:t>.</a:t>
-            </a:r>
-          </a:p>
-          <a:p>
-            <a:pPr>
-              <a:buFont typeface="Arial" charset="0"/>
-              <a:buChar char="•"/>
-            </a:pPr>
-            <a:r>
-              <a:rPr lang="he-IL" dirty="0" smtClean="0"/>
-              <a:t>תחילה פותחים חיבורים לשתי הסכמות מולן הוגדר שנעבוד.</a:t>
-            </a:r>
-          </a:p>
-          <a:p>
-            <a:pPr>
-              <a:buFont typeface="Arial" charset="0"/>
-              <a:buChar char="•"/>
-            </a:pPr>
-            <a:r>
-              <a:rPr lang="he-IL" dirty="0" smtClean="0"/>
-              <a:t>לאחר מכן מכינים ומריצים שאילתה לפי ההעדפות שהזין המשתמש:</a:t>
-            </a:r>
-          </a:p>
-          <a:p>
-            <a:pPr lvl="1">
-              <a:buFont typeface="Arial" charset="0"/>
-              <a:buChar char="•"/>
-            </a:pPr>
-            <a:r>
-              <a:rPr lang="he-IL" dirty="0" smtClean="0"/>
-              <a:t>הגבלת מספר התוצאות שחוזרות או אי-הגבלת המספר</a:t>
-            </a:r>
-          </a:p>
-          <a:p>
-            <a:pPr lvl="1">
-              <a:buFont typeface="Arial" charset="0"/>
-              <a:buChar char="•"/>
-            </a:pPr>
-            <a:r>
-              <a:rPr lang="he-IL" dirty="0" smtClean="0"/>
-              <a:t>קבלת תוצאות שנכנסו לטבלת הניסויים בתאריך מסוים</a:t>
-            </a:r>
-            <a:endParaRPr lang="he-IL" dirty="0" smtClean="0"/>
-          </a:p>
-          <a:p>
-            <a:pPr lvl="1">
-              <a:buFont typeface="Arial" charset="0"/>
-              <a:buChar char="•"/>
-            </a:pPr>
-            <a:r>
-              <a:rPr lang="he-IL" dirty="0" smtClean="0"/>
-              <a:t>סוג הזמן הנמדד שייעשה בו שימוש – הכי טוב, ממוצע או הכי גרוע</a:t>
-            </a:r>
-          </a:p>
-          <a:p>
-            <a:pPr lvl="1">
-              <a:buFont typeface="Arial" charset="0"/>
-              <a:buChar char="•"/>
-            </a:pPr>
-            <a:r>
-              <a:rPr lang="he-IL" dirty="0" smtClean="0"/>
-              <a:t>שימוש ברשימת כתובות </a:t>
-            </a:r>
-            <a:r>
-              <a:rPr lang="en-US" dirty="0" smtClean="0"/>
-              <a:t>IP</a:t>
-            </a:r>
-            <a:r>
-              <a:rPr lang="he-IL" dirty="0" smtClean="0"/>
-              <a:t> ספציפיות שיכללו בתוצאות, יסוננו מהתוצאות או לחפש תוצאות רק עבורן.</a:t>
-            </a:r>
-            <a:endParaRPr lang="he-IL" dirty="0" smtClean="0"/>
-          </a:p>
-        </p:txBody>
-      </p:sp>
-    </p:spTree>
-    <p:extLst>
-      <p:ext uri="{BB962C8B-B14F-4D97-AF65-F5344CB8AC3E}">
-        <p14:creationId xmlns:p14="http://schemas.microsoft.com/office/powerpoint/2010/main" xmlns="" val="2606455311"/>
-      </p:ext>
-    </p:extLst>
-  </p:cSld>
-  <p:clrMapOvr>
-    <a:masterClrMapping/>
-  </p:clrMapOvr>
-</p:sld>
-</file>
-
 <file path=ppt/slides/slide12.xml><?xml version="1.0" encoding="utf-8"?>
 <p:sld xmlns:a="http://schemas.openxmlformats.org/drawingml/2006/main" xmlns:r="http://schemas.openxmlformats.org/officeDocument/2006/relationships" xmlns:p="http://schemas.openxmlformats.org/presentationml/2006/main">
   <p:cSld>
@@ -3720,14 +3652,6 @@
               <a:rPr lang="en-US" dirty="0" smtClean="0"/>
               <a:t>DIMES</a:t>
             </a:r>
-            <a:r>
-              <a:rPr lang="he-IL" dirty="0" smtClean="0"/>
-              <a:t> </a:t>
-            </a:r>
-            <a:r>
-              <a:rPr lang="he-IL" sz="2800" dirty="0" smtClean="0"/>
-              <a:t>(המשך)</a:t>
-            </a:r>
             <a:endParaRPr lang="he-IL" dirty="0"/>
           </a:p>
         </p:txBody>
@@ -3750,7 +3674,7 @@
         </p:spPr>
         <p:txBody>
           <a:bodyPr>
-            <a:normAutofit/>
+            <a:normAutofit lnSpcReduction="10000"/>
           </a:bodyPr>
           <a:lstStyle/>
           <a:p>
@@ -3759,11 +3683,27 @@
             </a:pPr>
             <a:r>
               <a:rPr lang="he-IL" dirty="0" smtClean="0"/>
-              <a:t>לאחר קבלת תוצאות הרצת השאילתה, נפרסר אותן ונשמור את המידע כך שנוכל לכתוב אותו במרוכז לקובץ שיועבר למודול ה-</a:t>
+              <a:t>לאחר שהמשתמש אישר את </a:t>
+            </a:r>
+            <a:r>
+              <a:rPr lang="he-IL" dirty="0" smtClean="0"/>
+              <a:t>בחירותיו, </a:t>
+            </a:r>
+            <a:r>
+              <a:rPr lang="he-IL" dirty="0" smtClean="0"/>
+              <a:t>המערכת מעבירה את המידע למודול המתקשר מול ה-</a:t>
             </a:r>
             <a:r>
               <a:rPr lang="en-US" dirty="0" smtClean="0"/>
-              <a:t>Matlab</a:t>
+              <a:t>DB</a:t>
+            </a:r>
+            <a:r>
+              <a:rPr lang="he-IL" dirty="0" smtClean="0"/>
+              <a:t> של </a:t>
+            </a:r>
+            <a:r>
+              <a:rPr lang="en-US" dirty="0" smtClean="0"/>
+              <a:t>DIMES</a:t>
             </a:r>
             <a:r>
               <a:rPr lang="he-IL" dirty="0" smtClean="0"/>
@@ -3772,11 +3712,85 @@
           </a:p>
           <a:p>
             <a:pPr>
-              <a:buNone/>
+              <a:buFont typeface="Arial" charset="0"/>
+              <a:buChar char="•"/>
             </a:pPr>
             <a:r>
               <a:rPr lang="he-IL" dirty="0" smtClean="0"/>
-              <a:t>בנוסף, בגלל ההפרדה בין השרתים, נריץ לכל כתובת </a:t>
+              <a:t>תחילה פותחים חיבורים לשתי הסכמות מולן הוגדר שנעבוד.</a:t>
+            </a:r>
+          </a:p>
+          <a:p>
+            <a:pPr>
+              <a:buFont typeface="Arial" charset="0"/>
+              <a:buChar char="•"/>
+            </a:pPr>
+            <a:r>
+              <a:rPr lang="he-IL" dirty="0" smtClean="0"/>
+              <a:t>לאחר מכן מכינים ומריצים שאילתה לפי ההעדפות שהזין המשתמש:</a:t>
+            </a:r>
+          </a:p>
+          <a:p>
+            <a:pPr lvl="1">
+              <a:buFont typeface="Arial" charset="0"/>
+              <a:buChar char="•"/>
+            </a:pPr>
+            <a:r>
+              <a:rPr lang="he-IL" dirty="0" smtClean="0"/>
+              <a:t>הגבלת מספר התוצאות </a:t>
+            </a:r>
+            <a:r>
+              <a:rPr lang="he-IL" dirty="0" smtClean="0"/>
+              <a:t>שחוזרות.</a:t>
+            </a:r>
+            <a:endParaRPr lang="he-IL" dirty="0" smtClean="0"/>
+          </a:p>
+          <a:p>
+            <a:pPr lvl="1">
+              <a:buFont typeface="Arial" charset="0"/>
+              <a:buChar char="•"/>
+            </a:pPr>
+            <a:r>
+              <a:rPr lang="he-IL" dirty="0" smtClean="0"/>
+              <a:t>קבלת תוצאות שנכנסו לטבלת הניסויים בתאריך </a:t>
+            </a:r>
+            <a:r>
+              <a:rPr lang="he-IL" dirty="0" smtClean="0"/>
+              <a:t>מסוים.</a:t>
+            </a:r>
+            <a:endParaRPr lang="he-IL" dirty="0" smtClean="0"/>
+          </a:p>
+          <a:p>
+            <a:pPr lvl="1">
+              <a:buFont typeface="Arial" charset="0"/>
+              <a:buChar char="•"/>
+            </a:pPr>
+            <a:r>
+              <a:rPr lang="he-IL" dirty="0" smtClean="0"/>
+              <a:t>סוג הזמן הנמדד שייעשה בו שימוש </a:t>
+            </a:r>
+            <a:r>
+              <a:rPr lang="he-IL" dirty="0" smtClean="0"/>
+              <a:t> </a:t>
+            </a:r>
+            <a:r>
+              <a:rPr lang="he-IL" dirty="0" smtClean="0"/>
+              <a:t>הכי טוב, ממוצע או הכי </a:t>
+            </a:r>
+            <a:r>
+              <a:rPr lang="he-IL" dirty="0" smtClean="0"/>
+              <a:t>גרוע.</a:t>
+            </a:r>
+            <a:endParaRPr lang="he-IL" dirty="0" smtClean="0"/>
+          </a:p>
+          <a:p>
+            <a:pPr lvl="1">
+              <a:buFont typeface="Arial" charset="0"/>
+              <a:buChar char="•"/>
+            </a:pPr>
+            <a:r>
+              <a:rPr lang="he-IL" dirty="0" smtClean="0"/>
+              <a:t>שימוש ברשימת כתובות </a:t>
             </a:r>
             <a:r>
               <a:rPr lang="en-US" dirty="0" smtClean="0"/>
@@ -3784,74 +3798,15 @@
             </a:r>
             <a:r>
               <a:rPr lang="he-IL" dirty="0" smtClean="0"/>
-              <a:t> שאילתה לבירור הקואורדינאטות שלה</a:t>
-            </a:r>
-          </a:p>
-          <a:p>
-            <a:pPr lvl="1">
-              <a:buNone/>
-            </a:pPr>
-            <a:r>
-              <a:rPr lang="he-IL" dirty="0" smtClean="0"/>
-              <a:t>* נבדוק אם </a:t>
-            </a:r>
-            <a:r>
-              <a:rPr lang="en-US" dirty="0" smtClean="0"/>
-              <a:t>IP</a:t>
-            </a:r>
-            <a:r>
-              <a:rPr lang="he-IL" dirty="0" smtClean="0"/>
-              <a:t> המקור הוא </a:t>
-            </a:r>
-            <a:r>
-              <a:rPr lang="en-US" dirty="0" smtClean="0"/>
-              <a:t>I</a:t>
-            </a:r>
-            <a:r>
-              <a:rPr lang="en-US" dirty="0" smtClean="0"/>
-              <a:t>P</a:t>
-            </a:r>
-            <a:r>
-              <a:rPr lang="he-IL" dirty="0" smtClean="0"/>
-              <a:t> ברשת פנימית ונחפש עבורו את ה-</a:t>
-            </a:r>
-            <a:r>
-              <a:rPr lang="en-US" dirty="0" smtClean="0"/>
-              <a:t>IP</a:t>
-            </a:r>
-            <a:r>
-              <a:rPr lang="he-IL" dirty="0" smtClean="0"/>
-              <a:t> הראשון שאיננו פרטי כדי להשתמש בקואורדינאטות שלו</a:t>
-            </a:r>
-          </a:p>
-          <a:p>
-            <a:pPr>
-              <a:buNone/>
-            </a:pPr>
-            <a:r>
-              <a:rPr lang="he-IL" dirty="0" smtClean="0"/>
-              <a:t>לבסוף, נכתוב את המידע לתוך הקובץ שיועבר למודול ה-</a:t>
-            </a:r>
-            <a:r>
-              <a:rPr lang="en-US" dirty="0" smtClean="0"/>
-              <a:t>Matlab</a:t>
-            </a:r>
-            <a:r>
-              <a:rPr lang="he-IL" dirty="0" smtClean="0"/>
-              <a:t>, ונסגור את </a:t>
-            </a:r>
-            <a:r>
-              <a:rPr lang="he-IL" smtClean="0"/>
-              <a:t>החיבורים שפתחנו.</a:t>
-            </a:r>
-            <a:endParaRPr lang="he-IL" sz="3200" dirty="0" smtClean="0"/>
+              <a:t> ספציפיות שיכללו בתוצאות, יסוננו מהתוצאות או לחפש תוצאות רק עבורן.</a:t>
+            </a:r>
           </a:p>
         </p:txBody>
       </p:sp>
     </p:spTree>
     <p:extLst>
       <p:ext uri="{BB962C8B-B14F-4D97-AF65-F5344CB8AC3E}">
-        <p14:creationId xmlns:p14="http://schemas.microsoft.com/office/powerpoint/2010/main" xmlns="" val="2606455311"/>
+        <p14:creationId xmlns="" xmlns:p14="http://schemas.microsoft.com/office/powerpoint/2010/main" val="2606455311"/>
       </p:ext>
     </p:extLst>
   </p:cSld>
@@ -3904,6 +3859,219 @@
           </a:fontRef>
         </p:style>
         <p:txBody>
+          <a:bodyPr>
+            <a:normAutofit/>
+          </a:bodyPr>
+          <a:lstStyle/>
+          <a:p>
+            <a:r>
+              <a:rPr lang="he-IL" dirty="0" smtClean="0"/>
+              <a:t>מודול ה-</a:t>
+            </a:r>
+            <a:r>
+              <a:rPr lang="en-US" dirty="0" smtClean="0"/>
+              <a:t>Java</a:t>
+            </a:r>
+            <a:r>
+              <a:rPr lang="he-IL" dirty="0" smtClean="0"/>
+              <a:t> בעבודה מול </a:t>
+            </a:r>
+            <a:r>
+              <a:rPr lang="en-US" dirty="0" smtClean="0"/>
+              <a:t>DIMES</a:t>
+            </a:r>
+            <a:r>
+              <a:rPr lang="he-IL" dirty="0" smtClean="0"/>
+              <a:t> </a:t>
+            </a:r>
+            <a:r>
+              <a:rPr lang="he-IL" sz="2800" dirty="0" smtClean="0"/>
+              <a:t>(המשך)</a:t>
+            </a:r>
+            <a:endParaRPr lang="he-IL" dirty="0"/>
+          </a:p>
+        </p:txBody>
+      </p:sp>
+      <p:sp>
+        <p:nvSpPr>
+          <p:cNvPr id="3" name="Content Placeholder 2"/>
+          <p:cNvSpPr>
+            <a:spLocks noGrp="1"/>
+          </p:cNvSpPr>
+          <p:nvPr>
+            <p:ph idx="1"/>
+          </p:nvPr>
+        </p:nvSpPr>
+        <p:spPr>
+          <a:xfrm>
+            <a:off x="381000" y="1600200"/>
+            <a:ext cx="8305800" cy="4709160"/>
+          </a:xfrm>
+        </p:spPr>
+        <p:txBody>
+          <a:bodyPr>
+            <a:normAutofit/>
+          </a:bodyPr>
+          <a:lstStyle/>
+          <a:p>
+            <a:pPr>
+              <a:buNone/>
+            </a:pPr>
+            <a:r>
+              <a:rPr lang="he-IL" dirty="0" smtClean="0"/>
+              <a:t>לאחר קבלת תוצאות הרצת השאילתה, נפרסר אותן ונשמור את המידע כך שנוכל לכתוב אותו במרוכז לקובץ שיועבר למודול ה-</a:t>
+            </a:r>
+            <a:r>
+              <a:rPr lang="en-US" dirty="0" smtClean="0"/>
+              <a:t>Matlab</a:t>
+            </a:r>
+            <a:r>
+              <a:rPr lang="he-IL" dirty="0" smtClean="0"/>
+              <a:t>.</a:t>
+            </a:r>
+          </a:p>
+          <a:p>
+            <a:pPr>
+              <a:buNone/>
+            </a:pPr>
+            <a:r>
+              <a:rPr lang="he-IL" dirty="0" smtClean="0"/>
+              <a:t>בנוסף, בגלל ההפרדה בין השרתים, נריץ לכל כתובת </a:t>
+            </a:r>
+            <a:r>
+              <a:rPr lang="en-US" dirty="0" smtClean="0"/>
+              <a:t>IP</a:t>
+            </a:r>
+            <a:r>
+              <a:rPr lang="he-IL" dirty="0" smtClean="0"/>
+              <a:t> שאילתה לבירור הקואורדינאטות שלה</a:t>
+            </a:r>
+          </a:p>
+          <a:p>
+            <a:pPr lvl="1">
+              <a:buNone/>
+            </a:pPr>
+            <a:r>
+              <a:rPr lang="he-IL" dirty="0" smtClean="0"/>
+              <a:t>* </a:t>
+            </a:r>
+            <a:r>
+              <a:rPr lang="he-IL" dirty="0" smtClean="0"/>
+              <a:t>אם </a:t>
+            </a:r>
+            <a:r>
+              <a:rPr lang="en-US" dirty="0" smtClean="0"/>
+              <a:t>IP</a:t>
+            </a:r>
+            <a:r>
+              <a:rPr lang="he-IL" dirty="0" smtClean="0"/>
+              <a:t> המקור הוא </a:t>
+            </a:r>
+            <a:r>
+              <a:rPr lang="en-US" dirty="0" smtClean="0"/>
+              <a:t>IP</a:t>
+            </a:r>
+            <a:r>
+              <a:rPr lang="he-IL" dirty="0" smtClean="0"/>
+              <a:t> ברשת </a:t>
+            </a:r>
+            <a:r>
+              <a:rPr lang="he-IL" dirty="0" smtClean="0"/>
+              <a:t>פנימית, אז נחפש </a:t>
+            </a:r>
+            <a:r>
+              <a:rPr lang="he-IL" dirty="0" smtClean="0"/>
+              <a:t>עבורו את ה-</a:t>
+            </a:r>
+            <a:r>
+              <a:rPr lang="en-US" dirty="0" smtClean="0"/>
+              <a:t>IP</a:t>
+            </a:r>
+            <a:r>
+              <a:rPr lang="he-IL" dirty="0" smtClean="0"/>
+              <a:t> הראשון שאיננו פרטי כדי להשתמש בקואורדינאטות שלו</a:t>
+            </a:r>
+          </a:p>
+          <a:p>
+            <a:pPr>
+              <a:buNone/>
+            </a:pPr>
+            <a:r>
+              <a:rPr lang="he-IL" dirty="0" smtClean="0"/>
+              <a:t>לבסוף, נכתוב את המידע לתוך הקובץ שיועבר למודול ה-</a:t>
+            </a:r>
+            <a:r>
+              <a:rPr lang="en-US" dirty="0" err="1" smtClean="0"/>
+              <a:t>Matlab</a:t>
+            </a:r>
+            <a:r>
+              <a:rPr lang="he-IL" dirty="0" smtClean="0"/>
+              <a:t> בפורמט המתאים, </a:t>
+            </a:r>
+            <a:r>
+              <a:rPr lang="he-IL" dirty="0" smtClean="0"/>
+              <a:t>ונסגור את החיבורים שפתחנו.</a:t>
+            </a:r>
+            <a:endParaRPr lang="he-IL" sz="3200" dirty="0" smtClean="0"/>
+          </a:p>
+        </p:txBody>
+      </p:sp>
+    </p:spTree>
+    <p:extLst>
+      <p:ext uri="{BB962C8B-B14F-4D97-AF65-F5344CB8AC3E}">
+        <p14:creationId xmlns="" xmlns:p14="http://schemas.microsoft.com/office/powerpoint/2010/main" val="2606455311"/>
+      </p:ext>
+    </p:extLst>
+  </p:cSld>
+  <p:clrMapOvr>
+    <a:masterClrMapping/>
+  </p:clrMapOvr>
+</p:sld>
+</file>
+
+<file path=ppt/slides/slide14.xml><?xml version="1.0" encoding="utf-8"?>
+<p:sld xmlns:a="http://schemas.openxmlformats.org/drawingml/2006/main" xmlns:r="http://schemas.openxmlformats.org/officeDocument/2006/relationships" xmlns:p="http://schemas.openxmlformats.org/presentationml/2006/main">
+  <p:cSld>
+    <p:spTree>
+      <p:nvGrpSpPr>
+        <p:cNvPr id="1" name=""/>
+        <p:cNvGrpSpPr/>
+        <p:nvPr/>
+      </p:nvGrpSpPr>
+      <p:grpSpPr>
+        <a:xfrm>
+          <a:off x="0" y="0"/>
+          <a:ext cx="0" cy="0"/>
+          <a:chOff x="0" y="0"/>
+          <a:chExt cx="0" cy="0"/>
+        </a:xfrm>
+      </p:grpSpPr>
+      <p:sp>
+        <p:nvSpPr>
+          <p:cNvPr id="2" name="Title 1"/>
+          <p:cNvSpPr>
+            <a:spLocks noGrp="1"/>
+          </p:cNvSpPr>
+          <p:nvPr>
+            <p:ph type="title"/>
+          </p:nvPr>
+        </p:nvSpPr>
+        <p:spPr/>
+        <p:style>
+          <a:lnRef idx="1">
+            <a:schemeClr val="accent4"/>
+          </a:lnRef>
+          <a:fillRef idx="2">
+            <a:schemeClr val="accent4"/>
+          </a:fillRef>
+          <a:effectRef idx="1">
+            <a:schemeClr val="accent4"/>
+          </a:effectRef>
+          <a:fontRef idx="minor">
+            <a:schemeClr val="dk1"/>
+          </a:fontRef>
+        </p:style>
+        <p:txBody>
           <a:bodyPr/>
           <a:lstStyle/>
           <a:p>
@@ -3967,7 +4135,7 @@
         </p:xfrm>
         <a:graphic>
           <a:graphicData uri="http://schemas.openxmlformats.org/presentationml/2006/ole">
-            <p:oleObj spid="_x0000_s20485" r:id="rId3" imgW="8798230" imgH="5750190" progId="Visio.Drawing.11">
+            <p:oleObj spid="_x0000_s20485" r:id="rId3" imgW="8798230" imgH="5750190" progId="">
               <p:embed/>
             </p:oleObj>
           </a:graphicData>
@@ -4063,198 +4231,6 @@
 </p:sld>
 </file>
 
-<file path=ppt/slides/slide14.xml><?xml version="1.0" encoding="utf-8"?>
-<p:sld xmlns:a="http://schemas.openxmlformats.org/drawingml/2006/main" xmlns:r="http://schemas.openxmlformats.org/officeDocument/2006/relationships" xmlns:p="http://schemas.openxmlformats.org/presentationml/2006/main">
-  <p:cSld>
-    <p:spTree>
-      <p:nvGrpSpPr>
-        <p:cNvPr id="1" name=""/>
-        <p:cNvGrpSpPr/>
-        <p:nvPr/>
-      </p:nvGrpSpPr>
-      <p:grpSpPr>
-        <a:xfrm>
-          <a:off x="0" y="0"/>
-          <a:ext cx="0" cy="0"/>
-          <a:chOff x="0" y="0"/>
-          <a:chExt cx="0" cy="0"/>
-        </a:xfrm>
-      </p:grpSpPr>
-      <p:sp>
-        <p:nvSpPr>
-          <p:cNvPr id="2" name="Title 1"/>
-          <p:cNvSpPr>
-            <a:spLocks noGrp="1"/>
-          </p:cNvSpPr>
-          <p:nvPr>
-            <p:ph type="title"/>
-          </p:nvPr>
-        </p:nvSpPr>
-        <p:spPr/>
-        <p:style>
-          <a:lnRef idx="1">
-            <a:schemeClr val="accent4"/>
-          </a:lnRef>
-          <a:fillRef idx="2">
-            <a:schemeClr val="accent4"/>
-          </a:fillRef>
-          <a:effectRef idx="1">
-            <a:schemeClr val="accent4"/>
-          </a:effectRef>
-          <a:fontRef idx="minor">
-            <a:schemeClr val="dk1"/>
-          </a:fontRef>
-        </p:style>
-        <p:txBody>
-          <a:bodyPr>
-            <a:normAutofit/>
-          </a:bodyPr>
-          <a:lstStyle/>
-          <a:p>
-            <a:r>
-              <a:rPr lang="he-IL" dirty="0" smtClean="0"/>
-              <a:t>קובץ נתונים </a:t>
-            </a:r>
-            <a:r>
-              <a:rPr lang="he-IL" dirty="0" err="1" smtClean="0"/>
-              <a:t>למטלב</a:t>
-            </a:r>
-            <a:endParaRPr lang="he-IL" dirty="0"/>
-          </a:p>
-        </p:txBody>
-      </p:sp>
-      <p:sp>
-        <p:nvSpPr>
-          <p:cNvPr id="3" name="Content Placeholder 2"/>
-          <p:cNvSpPr>
-            <a:spLocks noGrp="1"/>
-          </p:cNvSpPr>
-          <p:nvPr>
-            <p:ph idx="1"/>
-          </p:nvPr>
-        </p:nvSpPr>
-        <p:spPr>
-          <a:xfrm>
-            <a:off x="381000" y="1600200"/>
-            <a:ext cx="8305800" cy="4709160"/>
-          </a:xfrm>
-        </p:spPr>
-        <p:txBody>
-          <a:bodyPr>
-            <a:normAutofit/>
-          </a:bodyPr>
-          <a:lstStyle/>
-          <a:p>
-            <a:pPr>
-              <a:buNone/>
-            </a:pPr>
-            <a:r>
-              <a:rPr lang="he-IL" dirty="0" smtClean="0"/>
-              <a:t>לאחר שהתקבלו הנתונים מה</a:t>
-            </a:r>
-            <a:r>
-              <a:rPr lang="en-US" dirty="0" smtClean="0"/>
-              <a:t>DB</a:t>
-            </a:r>
-            <a:r>
-              <a:rPr lang="he-IL" dirty="0" smtClean="0"/>
-              <a:t>, המערכת תעבד את הנתונים לתוך קובץ מיוחד בפורמט יחיד וסדיר, אשר ידוע מראש שזהו הפורמט לו </a:t>
-            </a:r>
-            <a:r>
-              <a:rPr lang="he-IL" dirty="0" err="1" smtClean="0"/>
-              <a:t>המטלב</a:t>
-            </a:r>
-            <a:r>
-              <a:rPr lang="he-IL" dirty="0" smtClean="0"/>
-              <a:t> מחכה.</a:t>
-            </a:r>
-            <a:endParaRPr lang="he-IL" sz="2000" dirty="0" smtClean="0"/>
-          </a:p>
-          <a:p>
-            <a:pPr>
-              <a:buNone/>
-            </a:pPr>
-            <a:r>
-              <a:rPr lang="he-IL" dirty="0" smtClean="0"/>
-              <a:t>פורמט זה כולל:</a:t>
-            </a:r>
-          </a:p>
-          <a:p>
-            <a:pPr>
-              <a:buFontTx/>
-              <a:buChar char="-"/>
-            </a:pPr>
-            <a:r>
-              <a:rPr lang="he-IL" dirty="0" smtClean="0"/>
-              <a:t>נ"צ המקור</a:t>
-            </a:r>
-          </a:p>
-          <a:p>
-            <a:pPr>
-              <a:buFontTx/>
-              <a:buChar char="-"/>
-            </a:pPr>
-            <a:r>
-              <a:rPr lang="he-IL" dirty="0" smtClean="0"/>
-              <a:t>רשימת נ"צ של היעדים</a:t>
-            </a:r>
-          </a:p>
-          <a:p>
-            <a:pPr>
-              <a:buFontTx/>
-              <a:buChar char="-"/>
-            </a:pPr>
-            <a:r>
-              <a:rPr lang="he-IL" dirty="0" smtClean="0"/>
-              <a:t>הזמנים שנמדדו ליעדים</a:t>
-            </a:r>
-          </a:p>
-          <a:p>
-            <a:pPr>
-              <a:buFontTx/>
-              <a:buChar char="-"/>
-            </a:pPr>
-            <a:r>
-              <a:rPr lang="he-IL" dirty="0" smtClean="0"/>
-              <a:t>פרטי היעדים (כתובות </a:t>
-            </a:r>
-            <a:r>
-              <a:rPr lang="en-US" dirty="0" smtClean="0"/>
-              <a:t>IP</a:t>
-            </a:r>
-            <a:r>
-              <a:rPr lang="he-IL" dirty="0" smtClean="0"/>
-              <a:t>)</a:t>
-            </a:r>
-          </a:p>
-          <a:p>
-            <a:pPr>
-              <a:buFontTx/>
-              <a:buChar char="-"/>
-            </a:pPr>
-            <a:r>
-              <a:rPr lang="he-IL" dirty="0" smtClean="0"/>
-              <a:t>בחירות שנעשו ע"י המשתמש והם באחריות </a:t>
-            </a:r>
-            <a:r>
-              <a:rPr lang="he-IL" dirty="0" err="1" smtClean="0"/>
-              <a:t>המטלב</a:t>
-            </a:r>
-            <a:r>
-              <a:rPr lang="he-IL" dirty="0" smtClean="0"/>
-              <a:t>.</a:t>
-            </a:r>
-          </a:p>
-        </p:txBody>
-      </p:sp>
-    </p:spTree>
-  </p:cSld>
-  <p:clrMapOvr>
-    <a:masterClrMapping/>
-  </p:clrMapOvr>
-</p:sld>
-</file>
-
 <file path=ppt/slides/slide15.xml><?xml version="1.0" encoding="utf-8"?>
 <p:sld xmlns:a="http://schemas.openxmlformats.org/drawingml/2006/main" xmlns:r="http://schemas.openxmlformats.org/officeDocument/2006/relationships" xmlns:p="http://schemas.openxmlformats.org/presentationml/2006/main">
   <p:cSld>
@@ -4298,6 +4274,219 @@
           </a:fontRef>
         </p:style>
         <p:txBody>
+          <a:bodyPr>
+            <a:normAutofit/>
+          </a:bodyPr>
+          <a:lstStyle/>
+          <a:p>
+            <a:r>
+              <a:rPr lang="he-IL" dirty="0" smtClean="0"/>
+              <a:t>קובץ נתונים </a:t>
+            </a:r>
+            <a:r>
+              <a:rPr lang="he-IL" dirty="0" err="1" smtClean="0"/>
+              <a:t>למטלב</a:t>
+            </a:r>
+            <a:endParaRPr lang="he-IL" dirty="0"/>
+          </a:p>
+        </p:txBody>
+      </p:sp>
+      <p:sp>
+        <p:nvSpPr>
+          <p:cNvPr id="3" name="Content Placeholder 2"/>
+          <p:cNvSpPr>
+            <a:spLocks noGrp="1"/>
+          </p:cNvSpPr>
+          <p:nvPr>
+            <p:ph idx="1"/>
+          </p:nvPr>
+        </p:nvSpPr>
+        <p:spPr>
+          <a:xfrm>
+            <a:off x="381000" y="1600200"/>
+            <a:ext cx="8305800" cy="4709160"/>
+          </a:xfrm>
+        </p:spPr>
+        <p:txBody>
+          <a:bodyPr>
+            <a:normAutofit/>
+          </a:bodyPr>
+          <a:lstStyle/>
+          <a:p>
+            <a:pPr>
+              <a:buNone/>
+            </a:pPr>
+            <a:r>
+              <a:rPr lang="he-IL" dirty="0" smtClean="0"/>
+              <a:t>לאחר שהתקבלו הנתונים מה</a:t>
+            </a:r>
+            <a:r>
+              <a:rPr lang="en-US" dirty="0" smtClean="0"/>
+              <a:t>DB</a:t>
+            </a:r>
+            <a:r>
+              <a:rPr lang="he-IL" dirty="0" smtClean="0"/>
+              <a:t>, המערכת תעבד את הנתונים לתוך קובץ מיוחד בפורמט יחיד וסדיר, אשר ידוע מראש שזהו הפורמט לו </a:t>
+            </a:r>
+            <a:r>
+              <a:rPr lang="he-IL" dirty="0" smtClean="0"/>
+              <a:t>ה</a:t>
+            </a:r>
+            <a:r>
+              <a:rPr lang="en-US" dirty="0" smtClean="0"/>
+              <a:t> </a:t>
+            </a:r>
+            <a:r>
+              <a:rPr lang="en-US" dirty="0" err="1" smtClean="0"/>
+              <a:t>Matlab</a:t>
+            </a:r>
+            <a:r>
+              <a:rPr lang="he-IL" dirty="0" smtClean="0"/>
+              <a:t> </a:t>
+            </a:r>
+            <a:r>
+              <a:rPr lang="he-IL" dirty="0" smtClean="0"/>
+              <a:t>מחכה.</a:t>
+            </a:r>
+            <a:endParaRPr lang="he-IL" sz="2000" dirty="0" smtClean="0"/>
+          </a:p>
+          <a:p>
+            <a:pPr>
+              <a:buNone/>
+            </a:pPr>
+            <a:r>
+              <a:rPr lang="he-IL" dirty="0" smtClean="0"/>
+              <a:t>פורמט זה כולל:</a:t>
+            </a:r>
+          </a:p>
+          <a:p>
+            <a:pPr>
+              <a:buFontTx/>
+              <a:buChar char="-"/>
+            </a:pPr>
+            <a:r>
+              <a:rPr lang="he-IL" dirty="0" smtClean="0"/>
+              <a:t>נ"צ המקור</a:t>
+            </a:r>
+          </a:p>
+          <a:p>
+            <a:pPr>
+              <a:buFontTx/>
+              <a:buChar char="-"/>
+            </a:pPr>
+            <a:r>
+              <a:rPr lang="he-IL" dirty="0" smtClean="0"/>
+              <a:t>רשימת נ"צ של היעדים</a:t>
+            </a:r>
+          </a:p>
+          <a:p>
+            <a:pPr>
+              <a:buFontTx/>
+              <a:buChar char="-"/>
+            </a:pPr>
+            <a:r>
+              <a:rPr lang="he-IL" dirty="0" smtClean="0"/>
+              <a:t>הזמנים שנמדדו ליעדים</a:t>
+            </a:r>
+          </a:p>
+          <a:p>
+            <a:pPr>
+              <a:buFontTx/>
+              <a:buChar char="-"/>
+            </a:pPr>
+            <a:r>
+              <a:rPr lang="he-IL" dirty="0" smtClean="0"/>
+              <a:t>פרטי היעדים (כתובות </a:t>
+            </a:r>
+            <a:r>
+              <a:rPr lang="en-US" dirty="0" smtClean="0"/>
+              <a:t>IP</a:t>
+            </a:r>
+            <a:r>
+              <a:rPr lang="he-IL" dirty="0" smtClean="0"/>
+              <a:t>)</a:t>
+            </a:r>
+          </a:p>
+          <a:p>
+            <a:pPr>
+              <a:buFontTx/>
+              <a:buChar char="-"/>
+            </a:pPr>
+            <a:r>
+              <a:rPr lang="he-IL" dirty="0" smtClean="0"/>
+              <a:t>בחירות שנעשו ע"י המשתמש והם באחריות </a:t>
+            </a:r>
+            <a:r>
+              <a:rPr lang="he-IL" dirty="0" smtClean="0"/>
+              <a:t>ה</a:t>
+            </a:r>
+            <a:r>
+              <a:rPr lang="en-US" dirty="0" smtClean="0"/>
+              <a:t> </a:t>
+            </a:r>
+            <a:r>
+              <a:rPr lang="en-US" dirty="0" err="1" smtClean="0"/>
+              <a:t>Matlab</a:t>
+            </a:r>
+            <a:r>
+              <a:rPr lang="he-IL" dirty="0" smtClean="0"/>
+              <a:t>.</a:t>
+            </a:r>
+            <a:endParaRPr lang="he-IL" dirty="0" smtClean="0"/>
+          </a:p>
+        </p:txBody>
+      </p:sp>
+    </p:spTree>
+  </p:cSld>
+  <p:clrMapOvr>
+    <a:masterClrMapping/>
+  </p:clrMapOvr>
+</p:sld>
+</file>
+
+<file path=ppt/slides/slide16.xml><?xml version="1.0" encoding="utf-8"?>
+<p:sld xmlns:a="http://schemas.openxmlformats.org/drawingml/2006/main" xmlns:r="http://schemas.openxmlformats.org/officeDocument/2006/relationships" xmlns:p="http://schemas.openxmlformats.org/presentationml/2006/main">
+  <p:cSld>
+    <p:spTree>
+      <p:nvGrpSpPr>
+        <p:cNvPr id="1" name=""/>
+        <p:cNvGrpSpPr/>
+        <p:nvPr/>
+      </p:nvGrpSpPr>
+      <p:grpSpPr>
+        <a:xfrm>
+          <a:off x="0" y="0"/>
+          <a:ext cx="0" cy="0"/>
+          <a:chOff x="0" y="0"/>
+          <a:chExt cx="0" cy="0"/>
+        </a:xfrm>
+      </p:grpSpPr>
+      <p:sp>
+        <p:nvSpPr>
+          <p:cNvPr id="2" name="Title 1"/>
+          <p:cNvSpPr>
+            <a:spLocks noGrp="1"/>
+          </p:cNvSpPr>
+          <p:nvPr>
+            <p:ph type="title"/>
+          </p:nvPr>
+        </p:nvSpPr>
+        <p:spPr/>
+        <p:style>
+          <a:lnRef idx="1">
+            <a:schemeClr val="accent4"/>
+          </a:lnRef>
+          <a:fillRef idx="2">
+            <a:schemeClr val="accent4"/>
+          </a:fillRef>
+          <a:effectRef idx="1">
+            <a:schemeClr val="accent4"/>
+          </a:effectRef>
+          <a:fontRef idx="minor">
+            <a:schemeClr val="dk1"/>
+          </a:fontRef>
+        </p:style>
+        <p:txBody>
           <a:bodyPr/>
           <a:lstStyle/>
           <a:p>
@@ -4361,7 +4550,7 @@
         </p:xfrm>
         <a:graphic>
           <a:graphicData uri="http://schemas.openxmlformats.org/presentationml/2006/ole">
-            <p:oleObj spid="_x0000_s21509" r:id="rId3" imgW="8798230" imgH="5750190" progId="Visio.Drawing.11">
+            <p:oleObj spid="_x0000_s21509" r:id="rId3" imgW="8798230" imgH="5750190" progId="">
               <p:embed/>
             </p:oleObj>
           </a:graphicData>
@@ -4457,189 +4646,6 @@
 </p:sld>
 </file>
 
-<file path=ppt/slides/slide16.xml><?xml version="1.0" encoding="utf-8"?>
-<p:sld xmlns:a="http://schemas.openxmlformats.org/drawingml/2006/main" xmlns:r="http://schemas.openxmlformats.org/officeDocument/2006/relationships" xmlns:p="http://schemas.openxmlformats.org/presentationml/2006/main">
-  <p:cSld>
-    <p:spTree>
-      <p:nvGrpSpPr>
-        <p:cNvPr id="1" name=""/>
-        <p:cNvGrpSpPr/>
-        <p:nvPr/>
-      </p:nvGrpSpPr>
-      <p:grpSpPr>
-        <a:xfrm>
-          <a:off x="0" y="0"/>
-          <a:ext cx="0" cy="0"/>
-          <a:chOff x="0" y="0"/>
-          <a:chExt cx="0" cy="0"/>
-        </a:xfrm>
-      </p:grpSpPr>
-      <p:sp>
-        <p:nvSpPr>
-          <p:cNvPr id="2" name="Title 1"/>
-          <p:cNvSpPr>
-            <a:spLocks noGrp="1"/>
-          </p:cNvSpPr>
-          <p:nvPr>
-            <p:ph type="title"/>
-          </p:nvPr>
-        </p:nvSpPr>
-        <p:spPr/>
-        <p:style>
-          <a:lnRef idx="1">
-            <a:schemeClr val="accent4"/>
-          </a:lnRef>
-          <a:fillRef idx="2">
-            <a:schemeClr val="accent4"/>
-          </a:fillRef>
-          <a:effectRef idx="1">
-            <a:schemeClr val="accent4"/>
-          </a:effectRef>
-          <a:fontRef idx="minor">
-            <a:schemeClr val="dk1"/>
-          </a:fontRef>
-        </p:style>
-        <p:txBody>
-          <a:bodyPr>
-            <a:normAutofit/>
-          </a:bodyPr>
-          <a:lstStyle/>
-          <a:p>
-            <a:r>
-              <a:rPr lang="he-IL" dirty="0" err="1" smtClean="0"/>
-              <a:t>מטלב</a:t>
-            </a:r>
-            <a:r>
-              <a:rPr lang="he-IL" dirty="0" smtClean="0"/>
-              <a:t> כיחידת החישוב</a:t>
-            </a:r>
-            <a:endParaRPr lang="he-IL" dirty="0"/>
-          </a:p>
-        </p:txBody>
-      </p:sp>
-      <p:sp>
-        <p:nvSpPr>
-          <p:cNvPr id="3" name="Content Placeholder 2"/>
-          <p:cNvSpPr>
-            <a:spLocks noGrp="1"/>
-          </p:cNvSpPr>
-          <p:nvPr>
-            <p:ph idx="1"/>
-          </p:nvPr>
-        </p:nvSpPr>
-        <p:spPr>
-          <a:xfrm>
-            <a:off x="381000" y="1600200"/>
-            <a:ext cx="8305800" cy="4709160"/>
-          </a:xfrm>
-        </p:spPr>
-        <p:txBody>
-          <a:bodyPr>
-            <a:normAutofit/>
-          </a:bodyPr>
-          <a:lstStyle/>
-          <a:p>
-            <a:pPr>
-              <a:buNone/>
-            </a:pPr>
-            <a:r>
-              <a:rPr lang="he-IL" dirty="0" smtClean="0"/>
-              <a:t>לאחר שהקובץ קלט מוכן, </a:t>
-            </a:r>
-            <a:r>
-              <a:rPr lang="he-IL" dirty="0" err="1" smtClean="0"/>
-              <a:t>מטלב</a:t>
-            </a:r>
-            <a:r>
-              <a:rPr lang="he-IL" dirty="0" smtClean="0"/>
-              <a:t> יחל לרוץ ויקרא אותו.</a:t>
-            </a:r>
-          </a:p>
-          <a:p>
-            <a:pPr>
-              <a:buNone/>
-            </a:pPr>
-            <a:r>
-              <a:rPr lang="he-IL" dirty="0" smtClean="0"/>
-              <a:t>מן הנתונים </a:t>
-            </a:r>
-            <a:r>
-              <a:rPr lang="he-IL" dirty="0" err="1" smtClean="0"/>
-              <a:t>מטלב</a:t>
-            </a:r>
-            <a:r>
-              <a:rPr lang="he-IL" dirty="0" smtClean="0"/>
-              <a:t> יריץ אלגוריתם '</a:t>
-            </a:r>
-            <a:r>
-              <a:rPr lang="he-IL" dirty="0" err="1" smtClean="0"/>
-              <a:t>האברסין</a:t>
-            </a:r>
-            <a:r>
-              <a:rPr lang="he-IL" dirty="0" smtClean="0"/>
-              <a:t>' לחישוב מרחק בין נקודות על פני ספרה, כלומר יכין רשימה של המרחקים הפיסיים בין הנקודות (הנתון הידוע הוא רק מיקומן)</a:t>
-            </a:r>
-          </a:p>
-          <a:p>
-            <a:pPr>
-              <a:buNone/>
-            </a:pPr>
-            <a:r>
-              <a:rPr lang="he-IL" dirty="0" smtClean="0"/>
-              <a:t>כמו כן מודול </a:t>
-            </a:r>
-            <a:r>
-              <a:rPr lang="he-IL" dirty="0" err="1" smtClean="0"/>
-              <a:t>המטלב</a:t>
-            </a:r>
-            <a:r>
-              <a:rPr lang="he-IL" dirty="0" smtClean="0"/>
-              <a:t> יחשב את המרחק </a:t>
-            </a:r>
-            <a:r>
-              <a:rPr lang="he-IL" dirty="0" err="1" smtClean="0"/>
-              <a:t>הוירטואלי</a:t>
-            </a:r>
-            <a:r>
-              <a:rPr lang="he-IL" dirty="0" smtClean="0"/>
-              <a:t> בהינתן הזמנים שנמדדו לפי כלל האצבע </a:t>
-            </a:r>
-            <a:r>
-              <a:rPr lang="en-US" dirty="0" smtClean="0"/>
-              <a:t>1ms=100km</a:t>
-            </a:r>
-            <a:r>
-              <a:rPr lang="he-IL" dirty="0" smtClean="0"/>
-              <a:t>.</a:t>
-            </a:r>
-          </a:p>
-          <a:p>
-            <a:pPr>
-              <a:buNone/>
-            </a:pPr>
-            <a:r>
-              <a:rPr lang="he-IL" dirty="0" smtClean="0"/>
-              <a:t>ומתוך נתונים אלו יחשב עבור כל יעד, את היחס בין המרחק </a:t>
-            </a:r>
-            <a:r>
-              <a:rPr lang="he-IL" dirty="0" err="1" smtClean="0"/>
-              <a:t>הוירטואלי</a:t>
-            </a:r>
-            <a:r>
-              <a:rPr lang="he-IL" dirty="0" smtClean="0"/>
-              <a:t> למרחק הפיסי.</a:t>
-            </a:r>
-          </a:p>
-        </p:txBody>
-      </p:sp>
-    </p:spTree>
-  </p:cSld>
-  <p:clrMapOvr>
-    <a:masterClrMapping/>
-  </p:clrMapOvr>
-</p:sld>
-</file>
-
 <file path=ppt/slides/slide17.xml><?xml version="1.0" encoding="utf-8"?>
 <p:sld xmlns:a="http://schemas.openxmlformats.org/drawingml/2006/main" xmlns:r="http://schemas.openxmlformats.org/officeDocument/2006/relationships" xmlns:p="http://schemas.openxmlformats.org/presentationml/2006/main">
   <p:cSld>
@@ -4689,12 +4695,12 @@
           <a:lstStyle/>
           <a:p>
             <a:r>
-              <a:rPr lang="he-IL" dirty="0" smtClean="0"/>
-              <a:t>נוסחת </a:t>
-            </a:r>
-            <a:r>
               <a:rPr lang="he-IL" dirty="0" err="1" smtClean="0"/>
-              <a:t>האברסין</a:t>
+              <a:t>מטלב</a:t>
+            </a:r>
+            <a:r>
+              <a:rPr lang="he-IL" dirty="0" smtClean="0"/>
+              <a:t> כיחידת החישוב</a:t>
             </a:r>
             <a:endParaRPr lang="he-IL" dirty="0"/>
           </a:p>
@@ -4727,7 +4733,231 @@
             </a:pPr>
             <a:r>
               <a:rPr lang="he-IL" dirty="0" smtClean="0"/>
+              <a:t>לאחר שהקובץ קלט מוכן, </a:t>
+            </a:r>
+            <a:r>
+              <a:rPr lang="en-US" dirty="0" err="1" smtClean="0"/>
+              <a:t>Matlab</a:t>
+            </a:r>
+            <a:r>
+              <a:rPr lang="he-IL" dirty="0" smtClean="0"/>
+              <a:t> </a:t>
+            </a:r>
+            <a:r>
+              <a:rPr lang="he-IL" dirty="0" smtClean="0"/>
+              <a:t>יחל לרוץ ויקרא אותו.</a:t>
+            </a:r>
+          </a:p>
+          <a:p>
+            <a:pPr>
+              <a:buNone/>
+            </a:pPr>
+            <a:r>
+              <a:rPr lang="he-IL" dirty="0" smtClean="0"/>
+              <a:t>מן הנתונים </a:t>
+            </a:r>
+            <a:r>
+              <a:rPr lang="en-US" dirty="0" err="1" smtClean="0"/>
+              <a:t>Matlab</a:t>
+            </a:r>
+            <a:r>
+              <a:rPr lang="he-IL" dirty="0" smtClean="0"/>
+              <a:t> </a:t>
+            </a:r>
+            <a:r>
+              <a:rPr lang="he-IL" dirty="0" smtClean="0"/>
+              <a:t>יריץ אלגוריתם </a:t>
+            </a:r>
+            <a:r>
+              <a:rPr lang="en-US" dirty="0" smtClean="0"/>
+              <a:t>“</a:t>
+            </a:r>
+            <a:r>
+              <a:rPr lang="en-US" dirty="0" err="1" smtClean="0"/>
+              <a:t>h</a:t>
+            </a:r>
+            <a:r>
+              <a:rPr lang="en-US" dirty="0" err="1" smtClean="0"/>
+              <a:t>aversine</a:t>
+            </a:r>
+            <a:r>
+              <a:rPr lang="en-US" dirty="0" smtClean="0"/>
+              <a:t>"</a:t>
+            </a:r>
+            <a:r>
+              <a:rPr lang="he-IL" dirty="0" smtClean="0"/>
+              <a:t> </a:t>
+            </a:r>
+            <a:r>
+              <a:rPr lang="he-IL" dirty="0" smtClean="0"/>
+              <a:t>לחישוב מרחק בין נקודות על פני ספרה, כלומר יכין רשימה של המרחקים הפיסיים בין הנקודות (הנתון הידוע הוא רק מיקומן)</a:t>
+            </a:r>
+          </a:p>
+          <a:p>
+            <a:pPr>
+              <a:buNone/>
+            </a:pPr>
+            <a:r>
+              <a:rPr lang="he-IL" dirty="0" smtClean="0"/>
+              <a:t>כמו כן מודול </a:t>
+            </a:r>
+            <a:r>
+              <a:rPr lang="he-IL" dirty="0" smtClean="0"/>
+              <a:t>ה</a:t>
+            </a:r>
+            <a:r>
+              <a:rPr lang="en-US" dirty="0" smtClean="0"/>
+              <a:t> </a:t>
+            </a:r>
+            <a:r>
+              <a:rPr lang="en-US" dirty="0" err="1" smtClean="0"/>
+              <a:t>Matlab</a:t>
+            </a:r>
+            <a:r>
+              <a:rPr lang="he-IL" dirty="0" smtClean="0"/>
+              <a:t> </a:t>
+            </a:r>
+            <a:r>
+              <a:rPr lang="he-IL" dirty="0" smtClean="0"/>
+              <a:t>יחשב את המרחק </a:t>
+            </a:r>
+            <a:r>
+              <a:rPr lang="he-IL" dirty="0" smtClean="0"/>
+              <a:t>הווירטואלי </a:t>
+            </a:r>
+            <a:r>
+              <a:rPr lang="he-IL" dirty="0" smtClean="0"/>
+              <a:t>בהינתן הזמנים שנמדדו לפי כלל האצבע </a:t>
+            </a:r>
+            <a:r>
+              <a:rPr lang="en-US" dirty="0" smtClean="0"/>
+              <a:t>1ms=100km</a:t>
+            </a:r>
+            <a:r>
+              <a:rPr lang="he-IL" dirty="0" smtClean="0"/>
+              <a:t>.</a:t>
+            </a:r>
+            <a:endParaRPr lang="he-IL" dirty="0" smtClean="0"/>
+          </a:p>
+          <a:p>
+            <a:pPr>
+              <a:buNone/>
+            </a:pPr>
+            <a:r>
+              <a:rPr lang="he-IL" dirty="0" smtClean="0"/>
+              <a:t>ומתוך נתונים אלו יחשב עבור כל יעד, את היחס בין המרחק </a:t>
+            </a:r>
+            <a:r>
+              <a:rPr lang="he-IL" dirty="0" smtClean="0"/>
+              <a:t>הווירטואלי </a:t>
+            </a:r>
+            <a:r>
+              <a:rPr lang="he-IL" dirty="0" smtClean="0"/>
+              <a:t>למרחק הפיסי.</a:t>
+            </a:r>
+          </a:p>
+        </p:txBody>
+      </p:sp>
+    </p:spTree>
+  </p:cSld>
+  <p:clrMapOvr>
+    <a:masterClrMapping/>
+  </p:clrMapOvr>
+</p:sld>
+</file>
+
+<file path=ppt/slides/slide18.xml><?xml version="1.0" encoding="utf-8"?>
+<p:sld xmlns:a="http://schemas.openxmlformats.org/drawingml/2006/main" xmlns:r="http://schemas.openxmlformats.org/officeDocument/2006/relationships" xmlns:p="http://schemas.openxmlformats.org/presentationml/2006/main">
+  <p:cSld>
+    <p:spTree>
+      <p:nvGrpSpPr>
+        <p:cNvPr id="1" name=""/>
+        <p:cNvGrpSpPr/>
+        <p:nvPr/>
+      </p:nvGrpSpPr>
+      <p:grpSpPr>
+        <a:xfrm>
+          <a:off x="0" y="0"/>
+          <a:ext cx="0" cy="0"/>
+          <a:chOff x="0" y="0"/>
+          <a:chExt cx="0" cy="0"/>
+        </a:xfrm>
+      </p:grpSpPr>
+      <p:sp>
+        <p:nvSpPr>
+          <p:cNvPr id="2" name="Title 1"/>
+          <p:cNvSpPr>
+            <a:spLocks noGrp="1"/>
+          </p:cNvSpPr>
+          <p:nvPr>
+            <p:ph type="title"/>
+          </p:nvPr>
+        </p:nvSpPr>
+        <p:spPr/>
+        <p:style>
+          <a:lnRef idx="1">
+            <a:schemeClr val="accent4"/>
+          </a:lnRef>
+          <a:fillRef idx="2">
+            <a:schemeClr val="accent4"/>
+          </a:fillRef>
+          <a:effectRef idx="1">
+            <a:schemeClr val="accent4"/>
+          </a:effectRef>
+          <a:fontRef idx="minor">
+            <a:schemeClr val="dk1"/>
+          </a:fontRef>
+        </p:style>
+        <p:txBody>
+          <a:bodyPr>
+            <a:normAutofit/>
+          </a:bodyPr>
+          <a:lstStyle/>
+          <a:p>
+            <a:r>
+              <a:rPr lang="he-IL" dirty="0" smtClean="0"/>
               <a:t>נוסחת </a:t>
+            </a:r>
+            <a:r>
+              <a:rPr lang="he-IL" dirty="0" err="1" smtClean="0"/>
+              <a:t>האברסין</a:t>
+            </a:r>
+            <a:endParaRPr lang="he-IL" dirty="0"/>
+          </a:p>
+        </p:txBody>
+      </p:sp>
+      <p:sp>
+        <p:nvSpPr>
+          <p:cNvPr id="3" name="Content Placeholder 2"/>
+          <p:cNvSpPr>
+            <a:spLocks noGrp="1"/>
+          </p:cNvSpPr>
+          <p:nvPr>
+            <p:ph idx="1"/>
+          </p:nvPr>
+        </p:nvSpPr>
+        <p:spPr>
+          <a:xfrm>
+            <a:off x="381000" y="1600200"/>
+            <a:ext cx="8305800" cy="4709160"/>
+          </a:xfrm>
+        </p:spPr>
+        <p:txBody>
+          <a:bodyPr>
+            <a:normAutofit/>
+          </a:bodyPr>
+          <a:lstStyle/>
+          <a:p>
+            <a:pPr>
+              <a:buNone/>
+            </a:pPr>
+            <a:r>
+              <a:rPr lang="he-IL" dirty="0" smtClean="0"/>
+              <a:t>נוסחת</a:t>
+            </a:r>
+            <a:r>
+              <a:rPr lang="en-US" dirty="0" smtClean="0"/>
+              <a:t>"</a:t>
             </a:r>
             <a:r>
               <a:rPr lang="en-US" dirty="0" err="1" smtClean="0"/>
@@ -4735,28 +4965,44 @@
             </a:r>
             <a:r>
               <a:rPr lang="en-US" dirty="0" smtClean="0"/>
+              <a:t>" </a:t>
+            </a:r>
+            <a:r>
+              <a:rPr lang="he-IL" dirty="0" smtClean="0"/>
+              <a:t> היא </a:t>
+            </a:r>
+            <a:r>
+              <a:rPr lang="he-IL" dirty="0" smtClean="0"/>
+              <a:t>משוואה חשובה בגיאוגרפיה, בהינתן מעגל גדול, המרחקים בין שתי נקודות על פני כדור מתוך קווי האורך והרוחב. נוסחה זו מתייחסת לקשת בין שתי הנקודות כאשר השוקיים שלה הן למעשה רדיוס ממרכז הכדור.</a:t>
+            </a:r>
+          </a:p>
+          <a:p>
+            <a:pPr>
+              <a:buNone/>
+            </a:pPr>
+            <a:r>
+              <a:rPr lang="he-IL" dirty="0" smtClean="0"/>
+              <a:t>המונח </a:t>
+            </a:r>
+            <a:r>
+              <a:rPr lang="en-US" dirty="0" smtClean="0"/>
+              <a:t>"</a:t>
+            </a:r>
+            <a:r>
+              <a:rPr lang="en-US" dirty="0" err="1" smtClean="0"/>
+              <a:t>haversine</a:t>
+            </a:r>
+            <a:r>
+              <a:rPr lang="en-US" dirty="0" smtClean="0"/>
+              <a:t>"</a:t>
+            </a:r>
+            <a:r>
+              <a:rPr lang="he-IL" dirty="0" smtClean="0"/>
               <a:t> </a:t>
             </a:r>
             <a:r>
               <a:rPr lang="he-IL" dirty="0" smtClean="0"/>
-              <a:t> היא משוואה חשובה בגיאוגרפיה, בהינתן מעגל גדול, המרחקים בין שתי נקודות על פני כדור מתוך קווי האורך והרוחב. נוסחה זו מתייחסת לקשת בין שתי הנקודות כאשר השוקיים שלה הן למעשה רדיוס ממרכז הכדור.</a:t>
-            </a:r>
-          </a:p>
-          <a:p>
-            <a:pPr>
-              <a:buNone/>
-            </a:pPr>
-            <a:r>
-              <a:rPr lang="he-IL" dirty="0" smtClean="0"/>
-              <a:t>המונח </a:t>
-            </a:r>
-            <a:r>
-              <a:rPr lang="he-IL" dirty="0" err="1" smtClean="0"/>
-              <a:t>האברסין</a:t>
-            </a:r>
-            <a:r>
-              <a:rPr lang="he-IL" dirty="0" smtClean="0"/>
-              <a:t> מבטא את הזוית שבין הקשת (המרחק) </a:t>
+              <a:t>מבטא את הזוית שבין הקשת (המרחק) </a:t>
             </a:r>
             <a:r>
               <a:rPr lang="en-US" dirty="0" smtClean="0"/>
@@ -4818,7 +5064,7 @@
         </p:blipFill>
         <p:spPr bwMode="auto">
           <a:xfrm>
-            <a:off x="4648200" y="4267200"/>
+            <a:off x="3962400" y="4267200"/>
             <a:ext cx="1190625" cy="523875"/>
           </a:xfrm>
           <a:prstGeom prst="rect">
@@ -4850,7 +5096,7 @@
         </p:blipFill>
         <p:spPr bwMode="auto">
           <a:xfrm>
-            <a:off x="1752600" y="4724400"/>
+            <a:off x="1752600" y="4800600"/>
             <a:ext cx="5467350" cy="647700"/>
           </a:xfrm>
           <a:prstGeom prst="rect">
@@ -5209,7 +5455,7 @@
 </p:sld>
 </file>
 
-<file path=ppt/slides/slide18.xml><?xml version="1.0" encoding="utf-8"?>
+<file path=ppt/slides/slide19.xml><?xml version="1.0" encoding="utf-8"?>
 <p:sld xmlns:a="http://schemas.openxmlformats.org/drawingml/2006/main" xmlns:r="http://schemas.openxmlformats.org/officeDocument/2006/relationships" xmlns:p="http://schemas.openxmlformats.org/presentationml/2006/main">
   <p:cSld>
     <p:spTree>
@@ -5315,7 +5561,7 @@
         </p:xfrm>
         <a:graphic>
           <a:graphicData uri="http://schemas.openxmlformats.org/presentationml/2006/ole">
-            <p:oleObj spid="_x0000_s22533" r:id="rId3" imgW="8798230" imgH="5750190" progId="Visio.Drawing.11">
+            <p:oleObj spid="_x0000_s22533" r:id="rId3" imgW="8798230" imgH="5750190" progId="">
               <p:embed/>
             </p:oleObj>
           </a:graphicData>
@@ -5411,233 +5657,6 @@
 </p:sld>
 </file>
 
-<file path=ppt/slides/slide19.xml><?xml version="1.0" encoding="utf-8"?>
-<p:sld xmlns:a="http://schemas.openxmlformats.org/drawingml/2006/main" xmlns:r="http://schemas.openxmlformats.org/officeDocument/2006/relationships" xmlns:p="http://schemas.openxmlformats.org/presentationml/2006/main">
-  <p:cSld>
-    <p:spTree>
-      <p:nvGrpSpPr>
-        <p:cNvPr id="1" name=""/>
-        <p:cNvGrpSpPr/>
-        <p:nvPr/>
-      </p:nvGrpSpPr>
-      <p:grpSpPr>
-        <a:xfrm>
-          <a:off x="0" y="0"/>
-          <a:ext cx="0" cy="0"/>
-          <a:chOff x="0" y="0"/>
-          <a:chExt cx="0" cy="0"/>
-        </a:xfrm>
-      </p:grpSpPr>
-      <p:sp>
-        <p:nvSpPr>
-          <p:cNvPr id="2" name="Title 1"/>
-          <p:cNvSpPr>
-            <a:spLocks noGrp="1"/>
-          </p:cNvSpPr>
-          <p:nvPr>
-            <p:ph type="title"/>
-          </p:nvPr>
-        </p:nvSpPr>
-        <p:spPr/>
-        <p:style>
-          <a:lnRef idx="1">
-            <a:schemeClr val="accent4"/>
-          </a:lnRef>
-          <a:fillRef idx="2">
-            <a:schemeClr val="accent4"/>
-          </a:fillRef>
-          <a:effectRef idx="1">
-            <a:schemeClr val="accent4"/>
-          </a:effectRef>
-          <a:fontRef idx="minor">
-            <a:schemeClr val="dk1"/>
-          </a:fontRef>
-        </p:style>
-        <p:txBody>
-          <a:bodyPr>
-            <a:normAutofit/>
-          </a:bodyPr>
-          <a:lstStyle/>
-          <a:p>
-            <a:r>
-              <a:rPr lang="he-IL" dirty="0" err="1" smtClean="0"/>
-              <a:t>מטלב</a:t>
-            </a:r>
-            <a:r>
-              <a:rPr lang="he-IL" dirty="0" smtClean="0"/>
-              <a:t> כיחידת התצוגה</a:t>
-            </a:r>
-            <a:endParaRPr lang="he-IL" dirty="0"/>
-          </a:p>
-        </p:txBody>
-      </p:sp>
-      <p:sp>
-        <p:nvSpPr>
-          <p:cNvPr id="3" name="Content Placeholder 2"/>
-          <p:cNvSpPr>
-            <a:spLocks noGrp="1"/>
-          </p:cNvSpPr>
-          <p:nvPr>
-            <p:ph idx="1"/>
-          </p:nvPr>
-        </p:nvSpPr>
-        <p:spPr>
-          <a:xfrm>
-            <a:off x="228600" y="1600200"/>
-            <a:ext cx="8610600" cy="4709160"/>
-          </a:xfrm>
-        </p:spPr>
-        <p:txBody>
-          <a:bodyPr>
-            <a:normAutofit fontScale="92500"/>
-          </a:bodyPr>
-          <a:lstStyle/>
-          <a:p>
-            <a:pPr>
-              <a:buNone/>
-            </a:pPr>
-            <a:r>
-              <a:rPr lang="he-IL" dirty="0" smtClean="0"/>
-              <a:t>לאחר שמודול </a:t>
-            </a:r>
-            <a:r>
-              <a:rPr lang="he-IL" dirty="0" err="1" smtClean="0"/>
-              <a:t>המטלב</a:t>
-            </a:r>
-            <a:r>
-              <a:rPr lang="he-IL" dirty="0" smtClean="0"/>
-              <a:t> סיים להכין את הנתונים, הוא יציג אותם.</a:t>
-            </a:r>
-          </a:p>
-          <a:p>
-            <a:pPr>
-              <a:buNone/>
-            </a:pPr>
-            <a:r>
-              <a:rPr lang="he-IL" dirty="0" smtClean="0"/>
-              <a:t>הוא יעשה זאת בעזרת הפונקציה </a:t>
-            </a:r>
-            <a:r>
-              <a:rPr lang="en-US" dirty="0" smtClean="0"/>
-              <a:t>TPAPS</a:t>
-            </a:r>
-            <a:r>
-              <a:rPr lang="he-IL" dirty="0" smtClean="0"/>
-              <a:t> אשר בהינתן נקודות מדגם ממצעת ע"י שימוש באנרגיה מינימאלית את שאר שטח הגרף.</a:t>
-            </a:r>
-          </a:p>
-          <a:p>
-            <a:pPr>
-              <a:buNone/>
-            </a:pPr>
-            <a:r>
-              <a:rPr lang="he-IL" dirty="0" smtClean="0"/>
-              <a:t>כלומר, הפונקציה משערת את הערכים עבור שאר הנקודות בגרף, אם אכן היו נמדדים אליהן ניסויים.</a:t>
-            </a:r>
-          </a:p>
-          <a:p>
-            <a:pPr>
-              <a:buNone/>
-            </a:pPr>
-            <a:r>
-              <a:rPr lang="he-IL" dirty="0" smtClean="0"/>
-              <a:t>בהתאם לבחירת המשתמש, יציג </a:t>
-            </a:r>
-            <a:r>
-              <a:rPr lang="he-IL" dirty="0" err="1" smtClean="0"/>
-              <a:t>המטלב</a:t>
-            </a:r>
-            <a:r>
-              <a:rPr lang="he-IL" dirty="0" smtClean="0"/>
-              <a:t> </a:t>
-            </a:r>
-          </a:p>
-          <a:p>
-            <a:pPr>
-              <a:buNone/>
-            </a:pPr>
-            <a:r>
-              <a:rPr lang="he-IL" dirty="0" smtClean="0"/>
-              <a:t>את הגרף בזווית המתאימה, ועם הנתונים</a:t>
-            </a:r>
-          </a:p>
-          <a:p>
-            <a:pPr>
-              <a:buNone/>
-            </a:pPr>
-            <a:r>
-              <a:rPr lang="he-IL" dirty="0" smtClean="0"/>
-              <a:t> המתאימים.</a:t>
-            </a:r>
-          </a:p>
-          <a:p>
-            <a:pPr>
-              <a:buNone/>
-            </a:pPr>
-            <a:r>
-              <a:rPr lang="he-IL" dirty="0" smtClean="0"/>
-              <a:t>חשוב לציין, שבכל תצוגה ניתן לשלוט בגרף</a:t>
-            </a:r>
-          </a:p>
-          <a:p>
-            <a:pPr>
-              <a:buNone/>
-            </a:pPr>
-            <a:r>
-              <a:rPr lang="he-IL" dirty="0" smtClean="0"/>
-              <a:t> בהתאם לחלון תצוגה סטנדרטי של </a:t>
-            </a:r>
-            <a:r>
-              <a:rPr lang="he-IL" dirty="0" err="1" smtClean="0"/>
-              <a:t>מטלב</a:t>
-            </a:r>
-            <a:r>
-              <a:rPr lang="he-IL" dirty="0" smtClean="0"/>
-              <a:t>.</a:t>
-            </a:r>
-          </a:p>
-        </p:txBody>
-      </p:sp>
-      <p:pic>
-        <p:nvPicPr>
-          <p:cNvPr id="23554" name="Picture 2"/>
-          <p:cNvPicPr>
-            <a:picLocks noChangeAspect="1" noChangeArrowheads="1"/>
-          </p:cNvPicPr>
-          <p:nvPr/>
-        </p:nvPicPr>
-        <p:blipFill>
-          <a:blip r:embed="rId2" cstate="print"/>
-          <a:srcRect/>
-          <a:stretch>
-            <a:fillRect/>
-          </a:stretch>
-        </p:blipFill>
-        <p:spPr bwMode="auto">
-          <a:xfrm>
-            <a:off x="152400" y="3513748"/>
-            <a:ext cx="3352800" cy="3158516"/>
-          </a:xfrm>
-          <a:prstGeom prst="rect">
-            <a:avLst/>
-          </a:prstGeom>
-          <a:noFill/>
-          <a:ln w="9525">
-            <a:noFill/>
-            <a:miter lim="800000"/>
-            <a:headEnd/>
-            <a:tailEnd/>
-          </a:ln>
-        </p:spPr>
-      </p:pic>
-    </p:spTree>
-  </p:cSld>
-  <p:clrMapOvr>
-    <a:masterClrMapping/>
-  </p:clrMapOvr>
-</p:sld>
-</file>
-
 <file path=ppt/slides/slide2.xml><?xml version="1.0" encoding="utf-8"?>
 <p:sld xmlns:a="http://schemas.openxmlformats.org/drawingml/2006/main" xmlns:r="http://schemas.openxmlformats.org/officeDocument/2006/relationships" xmlns:p="http://schemas.openxmlformats.org/presentationml/2006/main">
   <p:cSld>
@@ -5715,12 +5734,12 @@
               <a:t>מטרת </a:t>
             </a:r>
             <a:r>
-              <a:rPr lang="he-IL" dirty="0" err="1" smtClean="0"/>
-              <a:t>הפרוייקט</a:t>
-            </a:r>
-            <a:r>
-              <a:rPr lang="he-IL" dirty="0" smtClean="0"/>
-              <a:t> היא לתת ביטוי חזותי למדידות רבות שבוצעו ונשמרו במערכת </a:t>
+              <a:rPr lang="he-IL" dirty="0" smtClean="0"/>
+              <a:t>הפרויקט </a:t>
+            </a:r>
+            <a:r>
+              <a:rPr lang="he-IL" dirty="0" smtClean="0"/>
+              <a:t>היא לתת ביטוי חזותי למדידות רבות שבוצעו ונשמרו במערכת </a:t>
             </a:r>
             <a:r>
               <a:rPr lang="en-US" dirty="0" smtClean="0"/>
@@ -5730,6 +5749,7 @@
               <a:rPr lang="he-IL" dirty="0" smtClean="0"/>
               <a:t>.</a:t>
             </a:r>
+            <a:endParaRPr lang="he-IL" dirty="0" smtClean="0"/>
           </a:p>
           <a:p>
             <a:pPr>
@@ -5754,7 +5774,19 @@
             </a:pPr>
             <a:r>
               <a:rPr lang="he-IL" dirty="0" smtClean="0"/>
-              <a:t>המערכת המוצגת כאן שולפת את אותן התוצאות ומציגה אותן באופן גרפי, כך שהדגש העיקרי הוא להציג את העיוות בין המרחק הפיסי הקיים בפועל בין נקודות לבין ביטוי למרחק על בסיס הזמן שנמדד בין הנקודות הנ"ל.</a:t>
+              <a:t>האפליקציה </a:t>
+            </a:r>
+            <a:r>
+              <a:rPr lang="he-IL" dirty="0" smtClean="0"/>
+              <a:t>המוצגת כאן שולפת את אותן התוצאות ומציגה אותן באופן גרפי, </a:t>
+            </a:r>
+            <a:r>
+              <a:rPr lang="he-IL" dirty="0" smtClean="0"/>
+              <a:t>תוך שימת דגש עיקרי להציג </a:t>
+            </a:r>
+            <a:r>
+              <a:rPr lang="he-IL" dirty="0" smtClean="0"/>
+              <a:t>את העיוות בין המרחק הפיסי הקיים בפועל בין נקודות לבין ביטוי למרחק על בסיס הזמן שנמדד בין הנקודות הנ"ל.</a:t>
             </a:r>
           </a:p>
         </p:txBody>
@@ -5797,6 +5829,267 @@
         <p:spPr/>
         <p:style>
           <a:lnRef idx="1">
+            <a:schemeClr val="accent4"/>
+          </a:lnRef>
+          <a:fillRef idx="2">
+            <a:schemeClr val="accent4"/>
+          </a:fillRef>
+          <a:effectRef idx="1">
+            <a:schemeClr val="accent4"/>
+          </a:effectRef>
+          <a:fontRef idx="minor">
+            <a:schemeClr val="dk1"/>
+          </a:fontRef>
+        </p:style>
+        <p:txBody>
+          <a:bodyPr>
+            <a:normAutofit/>
+          </a:bodyPr>
+          <a:lstStyle/>
+          <a:p>
+            <a:r>
+              <a:rPr lang="he-IL" dirty="0" err="1" smtClean="0"/>
+              <a:t>מטלב</a:t>
+            </a:r>
+            <a:r>
+              <a:rPr lang="he-IL" dirty="0" smtClean="0"/>
+              <a:t> כיחידת התצוגה</a:t>
+            </a:r>
+            <a:endParaRPr lang="he-IL" dirty="0"/>
+          </a:p>
+        </p:txBody>
+      </p:sp>
+      <p:sp>
+        <p:nvSpPr>
+          <p:cNvPr id="3" name="Content Placeholder 2"/>
+          <p:cNvSpPr>
+            <a:spLocks noGrp="1"/>
+          </p:cNvSpPr>
+          <p:nvPr>
+            <p:ph idx="1"/>
+          </p:nvPr>
+        </p:nvSpPr>
+        <p:spPr>
+          <a:xfrm>
+            <a:off x="228600" y="1600200"/>
+            <a:ext cx="8610600" cy="4709160"/>
+          </a:xfrm>
+        </p:spPr>
+        <p:txBody>
+          <a:bodyPr>
+            <a:normAutofit fontScale="92500"/>
+          </a:bodyPr>
+          <a:lstStyle/>
+          <a:p>
+            <a:pPr>
+              <a:buNone/>
+            </a:pPr>
+            <a:r>
+              <a:rPr lang="he-IL" dirty="0" smtClean="0"/>
+              <a:t>לאחר שמודול </a:t>
+            </a:r>
+            <a:r>
+              <a:rPr lang="he-IL" dirty="0" smtClean="0"/>
+              <a:t>ה</a:t>
+            </a:r>
+            <a:r>
+              <a:rPr lang="en-US" dirty="0" smtClean="0"/>
+              <a:t> </a:t>
+            </a:r>
+            <a:r>
+              <a:rPr lang="en-US" dirty="0" err="1" smtClean="0"/>
+              <a:t>Matlab</a:t>
+            </a:r>
+            <a:r>
+              <a:rPr lang="he-IL" dirty="0" smtClean="0"/>
+              <a:t> </a:t>
+            </a:r>
+            <a:r>
+              <a:rPr lang="he-IL" dirty="0" smtClean="0"/>
+              <a:t>סיים להכין את הנתונים, הוא יציג אותם.</a:t>
+            </a:r>
+          </a:p>
+          <a:p>
+            <a:pPr>
+              <a:buNone/>
+            </a:pPr>
+            <a:r>
+              <a:rPr lang="he-IL" dirty="0" smtClean="0"/>
+              <a:t>הוא יעשה זאת בעזרת הפונקציה </a:t>
+            </a:r>
+            <a:r>
+              <a:rPr lang="en-US" dirty="0" err="1" smtClean="0"/>
+              <a:t>Tpaps</a:t>
+            </a:r>
+            <a:r>
+              <a:rPr lang="he-IL" dirty="0" smtClean="0"/>
+              <a:t> </a:t>
+            </a:r>
+            <a:r>
+              <a:rPr lang="he-IL" dirty="0" smtClean="0"/>
+              <a:t>אשר בהינתן נקודות מדגם ממצעת ע"י שימוש באנרגיה מינימאלית את שאר שטח הגרף.</a:t>
+            </a:r>
+          </a:p>
+          <a:p>
+            <a:pPr>
+              <a:buNone/>
+            </a:pPr>
+            <a:r>
+              <a:rPr lang="he-IL" dirty="0" smtClean="0"/>
+              <a:t>כלומר, הפונקציה משערת את הערכים עבור שאר הנקודות בגרף, אם אכן היו נמדדים אליהן ניסויים.</a:t>
+            </a:r>
+          </a:p>
+          <a:p>
+            <a:pPr>
+              <a:buNone/>
+            </a:pPr>
+            <a:r>
+              <a:rPr lang="he-IL" dirty="0" smtClean="0"/>
+              <a:t>בהתאם לבחירת המשתמש, יציג </a:t>
+            </a:r>
+            <a:r>
+              <a:rPr lang="he-IL" dirty="0" smtClean="0"/>
+              <a:t>ה</a:t>
+            </a:r>
+            <a:r>
+              <a:rPr lang="en-US" dirty="0" smtClean="0"/>
+              <a:t> </a:t>
+            </a:r>
+            <a:r>
+              <a:rPr lang="en-US" dirty="0" err="1" smtClean="0"/>
+              <a:t>Matlab</a:t>
+            </a:r>
+            <a:r>
+              <a:rPr lang="he-IL" dirty="0" smtClean="0"/>
+              <a:t> </a:t>
+            </a:r>
+            <a:endParaRPr lang="he-IL" dirty="0" smtClean="0"/>
+          </a:p>
+          <a:p>
+            <a:pPr>
+              <a:buNone/>
+            </a:pPr>
+            <a:r>
+              <a:rPr lang="he-IL" dirty="0" smtClean="0"/>
+              <a:t>את הגרף בזווית המתאימה, ועם הנתונים</a:t>
+            </a:r>
+          </a:p>
+          <a:p>
+            <a:pPr>
+              <a:buNone/>
+            </a:pPr>
+            <a:r>
+              <a:rPr lang="he-IL" dirty="0" smtClean="0"/>
+              <a:t> המתאימים.</a:t>
+            </a:r>
+          </a:p>
+          <a:p>
+            <a:pPr>
+              <a:buNone/>
+            </a:pPr>
+            <a:r>
+              <a:rPr lang="he-IL" dirty="0" smtClean="0"/>
+              <a:t>חשוב לציין, שבכל תצוגה ניתן לשלוט בגרף</a:t>
+            </a:r>
+          </a:p>
+          <a:p>
+            <a:pPr>
+              <a:buNone/>
+            </a:pPr>
+            <a:r>
+              <a:rPr lang="he-IL" dirty="0" smtClean="0"/>
+              <a:t> בהתאם לחלון תצוגה </a:t>
+            </a:r>
+            <a:r>
+              <a:rPr lang="he-IL" dirty="0" smtClean="0"/>
+              <a:t>רגיל </a:t>
+            </a:r>
+            <a:r>
+              <a:rPr lang="he-IL" dirty="0" smtClean="0"/>
+              <a:t>של </a:t>
+            </a:r>
+            <a:r>
+              <a:rPr lang="en-US" dirty="0" err="1" smtClean="0"/>
+              <a:t>Matlab</a:t>
+            </a:r>
+            <a:r>
+              <a:rPr lang="he-IL" dirty="0" smtClean="0"/>
+              <a:t>.</a:t>
+            </a:r>
+            <a:endParaRPr lang="he-IL" dirty="0" smtClean="0"/>
+          </a:p>
+        </p:txBody>
+      </p:sp>
+      <p:pic>
+        <p:nvPicPr>
+          <p:cNvPr id="23554" name="Picture 2"/>
+          <p:cNvPicPr>
+            <a:picLocks noChangeAspect="1" noChangeArrowheads="1"/>
+          </p:cNvPicPr>
+          <p:nvPr/>
+        </p:nvPicPr>
+        <p:blipFill>
+          <a:blip r:embed="rId2" cstate="print"/>
+          <a:srcRect/>
+          <a:stretch>
+            <a:fillRect/>
+          </a:stretch>
+        </p:blipFill>
+        <p:spPr bwMode="auto">
+          <a:xfrm>
+            <a:off x="0" y="3505200"/>
+            <a:ext cx="3352800" cy="3158516"/>
+          </a:xfrm>
+          <a:prstGeom prst="rect">
+            <a:avLst/>
+          </a:prstGeom>
+          <a:noFill/>
+          <a:ln w="9525">
+            <a:noFill/>
+            <a:miter lim="800000"/>
+            <a:headEnd/>
+            <a:tailEnd/>
+          </a:ln>
+        </p:spPr>
+      </p:pic>
+    </p:spTree>
+  </p:cSld>
+  <p:clrMapOvr>
+    <a:masterClrMapping/>
+  </p:clrMapOvr>
+</p:sld>
+</file>
+
+<file path=ppt/slides/slide21.xml><?xml version="1.0" encoding="utf-8"?>
+<p:sld xmlns:a="http://schemas.openxmlformats.org/drawingml/2006/main" xmlns:r="http://schemas.openxmlformats.org/officeDocument/2006/relationships" xmlns:p="http://schemas.openxmlformats.org/presentationml/2006/main">
+  <p:cSld>
+    <p:spTree>
+      <p:nvGrpSpPr>
+        <p:cNvPr id="1" name=""/>
+        <p:cNvGrpSpPr/>
+        <p:nvPr/>
+      </p:nvGrpSpPr>
+      <p:grpSpPr>
+        <a:xfrm>
+          <a:off x="0" y="0"/>
+          <a:ext cx="0" cy="0"/>
+          <a:chOff x="0" y="0"/>
+          <a:chExt cx="0" cy="0"/>
+        </a:xfrm>
+      </p:grpSpPr>
+      <p:sp>
+        <p:nvSpPr>
+          <p:cNvPr id="2" name="Title 1"/>
+          <p:cNvSpPr>
+            <a:spLocks noGrp="1"/>
+          </p:cNvSpPr>
+          <p:nvPr>
+            <p:ph type="title"/>
+          </p:nvPr>
+        </p:nvSpPr>
+        <p:spPr/>
+        <p:style>
+          <a:lnRef idx="1">
             <a:schemeClr val="accent5"/>
           </a:lnRef>
           <a:fillRef idx="2">
@@ -5853,18 +6146,26 @@
               <a:t>ניתן להמשיך </a:t>
             </a:r>
             <a:r>
-              <a:rPr lang="he-IL" dirty="0" err="1" smtClean="0"/>
-              <a:t>פרוייקט</a:t>
-            </a:r>
-            <a:r>
-              <a:rPr lang="he-IL" dirty="0" smtClean="0"/>
-              <a:t> זה במספר מישורים להמשך התייעלות:</a:t>
+              <a:rPr lang="he-IL" dirty="0" smtClean="0"/>
+              <a:t>פרויקט </a:t>
+            </a:r>
+            <a:r>
+              <a:rPr lang="he-IL" dirty="0" smtClean="0"/>
+              <a:t>זה במספר מישורים להמשך </a:t>
+            </a:r>
+            <a:r>
+              <a:rPr lang="he-IL" dirty="0" smtClean="0"/>
+              <a:t>התייעלות</a:t>
             </a:r>
           </a:p>
           <a:p>
             <a:pPr>
               <a:buNone/>
             </a:pPr>
+            <a:r>
+              <a:rPr lang="he-IL" dirty="0" smtClean="0"/>
+              <a:t>כמו:</a:t>
+            </a:r>
             <a:endParaRPr lang="he-IL" dirty="0" smtClean="0"/>
           </a:p>
           <a:p>
@@ -5874,7 +6175,11 @@
             </a:pPr>
             <a:r>
               <a:rPr lang="he-IL" dirty="0" smtClean="0"/>
-              <a:t>הרחבת התוצאות המוצגות כך שיציגו מספר מקורות בו-זמנית.</a:t>
+              <a:t>הרחבת </a:t>
+            </a:r>
+            <a:r>
+              <a:rPr lang="he-IL" dirty="0" smtClean="0"/>
+              <a:t>התוצאות המוצגות כך שיציגו מספר מקורות בו-זמנית.</a:t>
             </a:r>
           </a:p>
           <a:p>
@@ -5987,7 +6292,15 @@
             </a:pPr>
             <a:r>
               <a:rPr lang="he-IL" dirty="0" smtClean="0"/>
-              <a:t>המערכת המוצגת כאן נעזרת בשני כלים עיקריים:</a:t>
+              <a:t>המערכת המוצגת כאן נעזרת </a:t>
+            </a:r>
+            <a:r>
+              <a:rPr lang="he-IL" dirty="0" smtClean="0"/>
+              <a:t>בשלושה </a:t>
+            </a:r>
+            <a:r>
+              <a:rPr lang="he-IL" dirty="0" smtClean="0"/>
+              <a:t>כלים עיקריים:</a:t>
             </a:r>
           </a:p>
           <a:p>
@@ -6003,11 +6316,7 @@
             </a:pPr>
             <a:r>
               <a:rPr lang="he-IL" dirty="0" smtClean="0"/>
-              <a:t>שפת </a:t>
-            </a:r>
-            <a:r>
-              <a:rPr lang="he-IL" dirty="0" smtClean="0"/>
-              <a:t>התכנות </a:t>
+              <a:t>שפת התכנות </a:t>
             </a:r>
             <a:r>
               <a:rPr lang="en-US" dirty="0" smtClean="0"/>
@@ -6034,11 +6343,7 @@
             </a:pPr>
             <a:r>
               <a:rPr lang="he-IL" dirty="0" smtClean="0"/>
-              <a:t>כלי </a:t>
-            </a:r>
-            <a:r>
-              <a:rPr lang="he-IL" dirty="0" smtClean="0"/>
-              <a:t>החישוב </a:t>
+              <a:t>כלי החישוב </a:t>
             </a:r>
             <a:r>
               <a:rPr lang="en-US" dirty="0" smtClean="0"/>
@@ -6280,7 +6585,7 @@
           <p:nvPr>
             <p:extLst>
               <p:ext uri="{D42A27DB-BD31-4B8C-83A1-F6EECF244321}">
-                <p14:modId xmlns:p14="http://schemas.microsoft.com/office/powerpoint/2010/main" xmlns="" val="797411647"/>
+                <p14:modId xmlns="" xmlns:p14="http://schemas.microsoft.com/office/powerpoint/2010/main" val="797411647"/>
               </p:ext>
             </p:extLst>
           </p:nvPr>
@@ -6291,7 +6596,171 @@
         </p:xfrm>
         <a:graphic>
           <a:graphicData uri="http://schemas.openxmlformats.org/presentationml/2006/ole">
-            <p:oleObj spid="_x0000_s3076" name="Visio" r:id="rId3" imgW="8798230" imgH="5750190" progId="Visio.Drawing.11">
+            <p:oleObj spid="_x0000_s33794" name="Visio" r:id="rId3" imgW="8798230" imgH="5750190" progId="">
+              <p:embed/>
+            </p:oleObj>
+          </a:graphicData>
+        </a:graphic>
+      </p:graphicFrame>
+      <p:sp>
+        <p:nvSpPr>
+          <p:cNvPr id="3075" name="Rectangle 3"/>
+          <p:cNvSpPr>
+            <a:spLocks noChangeArrowheads="1"/>
+          </p:cNvSpPr>
+          <p:nvPr/>
+        </p:nvSpPr>
+        <p:spPr bwMode="auto">
+          <a:xfrm>
+            <a:off x="0" y="3448050"/>
+            <a:ext cx="9144000" cy="0"/>
+          </a:xfrm>
+          <a:prstGeom prst="rect">
+            <a:avLst/>
+          </a:prstGeom>
+          <a:noFill/>
+          <a:ln w="9525">
+            <a:noFill/>
+            <a:miter lim="800000"/>
+            <a:headEnd/>
+            <a:tailEnd/>
+          </a:ln>
+          <a:effectLst/>
+        </p:spPr>
+        <p:txBody>
+          <a:bodyPr vert="horz" wrap="none" lIns="91440" tIns="45720" rIns="91440" bIns="45720" numCol="1" anchor="ctr" anchorCtr="0" compatLnSpc="1">
+            <a:prstTxWarp prst="textNoShape">
+              <a:avLst/>
+            </a:prstTxWarp>
+            <a:spAutoFit/>
+          </a:bodyPr>
+          <a:lstStyle/>
+          <a:p>
+            <a:endParaRPr lang="he-IL"/>
+          </a:p>
+        </p:txBody>
+      </p:sp>
+    </p:spTree>
+  </p:cSld>
+  <p:clrMapOvr>
+    <a:masterClrMapping/>
+  </p:clrMapOvr>
+</p:sld>
+</file>
+
+<file path=ppt/slides/slide5.xml><?xml version="1.0" encoding="utf-8"?>
+<p:sld xmlns:a="http://schemas.openxmlformats.org/drawingml/2006/main" xmlns:r="http://schemas.openxmlformats.org/officeDocument/2006/relationships" xmlns:p="http://schemas.openxmlformats.org/presentationml/2006/main">
+  <p:cSld>
+    <p:spTree>
+      <p:nvGrpSpPr>
+        <p:cNvPr id="1" name=""/>
+        <p:cNvGrpSpPr/>
+        <p:nvPr/>
+      </p:nvGrpSpPr>
+      <p:grpSpPr>
+        <a:xfrm>
+          <a:off x="0" y="0"/>
+          <a:ext cx="0" cy="0"/>
+          <a:chOff x="0" y="0"/>
+          <a:chExt cx="0" cy="0"/>
+        </a:xfrm>
+      </p:grpSpPr>
+      <p:sp>
+        <p:nvSpPr>
+          <p:cNvPr id="2" name="Title 1"/>
+          <p:cNvSpPr>
+            <a:spLocks noGrp="1"/>
+          </p:cNvSpPr>
+          <p:nvPr>
+            <p:ph type="title"/>
+          </p:nvPr>
+        </p:nvSpPr>
+        <p:spPr/>
+        <p:style>
+          <a:lnRef idx="1">
+            <a:schemeClr val="accent4"/>
+          </a:lnRef>
+          <a:fillRef idx="2">
+            <a:schemeClr val="accent4"/>
+          </a:fillRef>
+          <a:effectRef idx="1">
+            <a:schemeClr val="accent4"/>
+          </a:effectRef>
+          <a:fontRef idx="minor">
+            <a:schemeClr val="dk1"/>
+          </a:fontRef>
+        </p:style>
+        <p:txBody>
+          <a:bodyPr/>
+          <a:lstStyle/>
+          <a:p>
+            <a:r>
+              <a:rPr lang="he-IL" dirty="0" smtClean="0"/>
+              <a:t>תרשים זרימה של המערכת</a:t>
+            </a:r>
+            <a:endParaRPr lang="he-IL" dirty="0"/>
+          </a:p>
+        </p:txBody>
+      </p:sp>
+      <p:sp>
+        <p:nvSpPr>
+          <p:cNvPr id="3074" name="Rectangle 2"/>
+          <p:cNvSpPr>
+            <a:spLocks noChangeArrowheads="1"/>
+          </p:cNvSpPr>
+          <p:nvPr/>
+        </p:nvSpPr>
+        <p:spPr bwMode="auto">
+          <a:xfrm>
+            <a:off x="0" y="0"/>
+            <a:ext cx="9144000" cy="0"/>
+          </a:xfrm>
+          <a:prstGeom prst="rect">
+            <a:avLst/>
+          </a:prstGeom>
+          <a:noFill/>
+          <a:ln w="9525">
+            <a:noFill/>
+            <a:miter lim="800000"/>
+            <a:headEnd/>
+            <a:tailEnd/>
+          </a:ln>
+          <a:effectLst/>
+        </p:spPr>
+        <p:txBody>
+          <a:bodyPr vert="horz" wrap="none" lIns="91440" tIns="45720" rIns="91440" bIns="45720" numCol="1" anchor="ctr" anchorCtr="0" compatLnSpc="1">
+            <a:prstTxWarp prst="textNoShape">
+              <a:avLst/>
+            </a:prstTxWarp>
+            <a:spAutoFit/>
+          </a:bodyPr>
+          <a:lstStyle/>
+          <a:p>
+            <a:endParaRPr lang="he-IL"/>
+          </a:p>
+        </p:txBody>
+      </p:sp>
+      <p:graphicFrame>
+        <p:nvGraphicFramePr>
+          <p:cNvPr id="3073" name="Object 1"/>
+          <p:cNvGraphicFramePr>
+            <a:graphicFrameLocks noChangeAspect="1"/>
+          </p:cNvGraphicFramePr>
+          <p:nvPr>
+            <p:extLst>
+              <p:ext uri="{D42A27DB-BD31-4B8C-83A1-F6EECF244321}">
+                <p14:modId xmlns="" xmlns:p14="http://schemas.microsoft.com/office/powerpoint/2010/main" val="797411647"/>
+              </p:ext>
+            </p:extLst>
+          </p:nvPr>
+        </p:nvGraphicFramePr>
+        <p:xfrm>
+          <a:off x="304800" y="1143000"/>
+          <a:ext cx="8458200" cy="5536833"/>
+        </p:xfrm>
+        <a:graphic>
+          <a:graphicData uri="http://schemas.openxmlformats.org/presentationml/2006/ole">
+            <p:oleObj spid="_x0000_s3076" name="Visio" r:id="rId3" imgW="8798230" imgH="5750190" progId="">
               <p:embed/>
             </p:oleObj>
           </a:graphicData>
@@ -6387,7 +6856,7 @@
 </p:sld>
 </file>
 
-<file path=ppt/slides/slide5.xml><?xml version="1.0" encoding="utf-8"?>
+<file path=ppt/slides/slide6.xml><?xml version="1.0" encoding="utf-8"?>
 <p:sld xmlns:a="http://schemas.openxmlformats.org/drawingml/2006/main" xmlns:r="http://schemas.openxmlformats.org/officeDocument/2006/relationships" xmlns:p="http://schemas.openxmlformats.org/presentationml/2006/main">
   <p:cSld>
     <p:spTree>
@@ -6517,7 +6986,15 @@
             </a:pPr>
             <a:r>
               <a:rPr lang="he-IL" dirty="0" smtClean="0"/>
-              <a:t>אופן בתוצאה תוצג.</a:t>
+              <a:t>אופן </a:t>
+            </a:r>
+            <a:r>
+              <a:rPr lang="he-IL" dirty="0" smtClean="0"/>
+              <a:t>התוצאה </a:t>
+            </a:r>
+            <a:r>
+              <a:rPr lang="he-IL" dirty="0" smtClean="0"/>
+              <a:t>תוצג.</a:t>
             </a:r>
           </a:p>
         </p:txBody>
@@ -6560,7 +7037,7 @@
 </p:sld>
 </file>
 
-<file path=ppt/slides/slide6.xml><?xml version="1.0" encoding="utf-8"?>
+<file path=ppt/slides/slide7.xml><?xml version="1.0" encoding="utf-8"?>
 <p:sld xmlns:a="http://schemas.openxmlformats.org/drawingml/2006/main" xmlns:r="http://schemas.openxmlformats.org/officeDocument/2006/relationships" xmlns:p="http://schemas.openxmlformats.org/presentationml/2006/main">
   <p:cSld>
     <p:spTree>
@@ -6610,11 +7087,7 @@
           <a:p>
             <a:r>
               <a:rPr lang="he-IL" dirty="0" smtClean="0"/>
-              <a:t>אלמנטים יסודיים בממשק </a:t>
-            </a:r>
-            <a:r>
-              <a:rPr lang="he-IL" dirty="0" smtClean="0"/>
-              <a:t>המשתמש</a:t>
+              <a:t>אלמנטים יסודיים בממשק המשתמש</a:t>
             </a:r>
             <a:endParaRPr lang="he-IL" dirty="0"/>
           </a:p>
@@ -6774,7 +7247,7 @@
 </p:sld>
 </file>
 
-<file path=ppt/slides/slide7.xml><?xml version="1.0" encoding="utf-8"?>
+<file path=ppt/slides/slide8.xml><?xml version="1.0" encoding="utf-8"?>
 <p:sld xmlns:a="http://schemas.openxmlformats.org/drawingml/2006/main" xmlns:r="http://schemas.openxmlformats.org/officeDocument/2006/relationships" xmlns:p="http://schemas.openxmlformats.org/presentationml/2006/main">
   <p:cSld>
     <p:spTree>
@@ -6886,15 +7359,7 @@
             </a:r>
             <a:r>
               <a:rPr lang="he-IL" dirty="0" smtClean="0"/>
-              <a:t> </a:t>
-            </a:r>
-            <a:r>
-              <a:rPr lang="he-IL" dirty="0" smtClean="0"/>
-              <a:t>הוא מעוניין </a:t>
-            </a:r>
-            <a:r>
-              <a:rPr lang="he-IL" dirty="0" smtClean="0"/>
-              <a:t>להתחבר</a:t>
+              <a:t> הוא מעוניין להתחבר</a:t>
             </a:r>
             <a:r>
               <a:rPr lang="en-US" dirty="0" smtClean="0"/>
@@ -6911,15 +7376,7 @@
             </a:pPr>
             <a:r>
               <a:rPr lang="he-IL" dirty="0" smtClean="0"/>
-              <a:t>אם </a:t>
-            </a:r>
-            <a:r>
-              <a:rPr lang="he-IL" dirty="0" smtClean="0"/>
-              <a:t>יש צורך בשם משתמש </a:t>
-            </a:r>
-            <a:r>
-              <a:rPr lang="he-IL" dirty="0" smtClean="0"/>
-              <a:t>וסיסמה ניתן להזין אותם</a:t>
+              <a:t>אם יש צורך בשם משתמש וסיסמה ניתן להזין אותם</a:t>
             </a:r>
           </a:p>
           <a:p>
@@ -6928,25 +7385,8 @@
             </a:pPr>
             <a:r>
               <a:rPr lang="he-IL" dirty="0" smtClean="0"/>
-              <a:t>כמו </a:t>
-            </a:r>
-            <a:r>
-              <a:rPr lang="he-IL" dirty="0" smtClean="0"/>
-              <a:t>כן </a:t>
-            </a:r>
-            <a:r>
-              <a:rPr lang="he-IL" dirty="0" smtClean="0"/>
-              <a:t>ניתן </a:t>
-            </a:r>
-            <a:r>
-              <a:rPr lang="he-IL" dirty="0" smtClean="0"/>
-              <a:t>לבחור </a:t>
-            </a:r>
-            <a:r>
-              <a:rPr lang="he-IL" dirty="0" smtClean="0"/>
-              <a:t>את הסכמות והטבלאות שמהן יילקחו הנתונים.</a:t>
-            </a:r>
-            <a:endParaRPr lang="he-IL" dirty="0" smtClean="0"/>
+              <a:t>כמו כן ניתן לבחור את הסכמות והטבלאות שמהן יילקחו הנתונים.</a:t>
+            </a:r>
           </a:p>
         </p:txBody>
       </p:sp>
@@ -7025,7 +7465,7 @@
 </p:sld>
 </file>
 
-<file path=ppt/slides/slide8.xml><?xml version="1.0" encoding="utf-8"?>
+<file path=ppt/slides/slide9.xml><?xml version="1.0" encoding="utf-8"?>
 <p:sld xmlns:a="http://schemas.openxmlformats.org/drawingml/2006/main" xmlns:r="http://schemas.openxmlformats.org/officeDocument/2006/relationships" xmlns:p="http://schemas.openxmlformats.org/presentationml/2006/main">
   <p:cSld>
     <p:spTree>
@@ -7216,163 +7656,6 @@
           <a:xfrm>
             <a:off x="685800" y="5334000"/>
             <a:ext cx="5257800" cy="1371600"/>
-          </a:xfrm>
-          <a:prstGeom prst="rect">
-            <a:avLst/>
-          </a:prstGeom>
-          <a:noFill/>
-          <a:ln w="9525">
-            <a:noFill/>
-            <a:miter lim="800000"/>
-            <a:headEnd/>
-            <a:tailEnd/>
-          </a:ln>
-        </p:spPr>
-      </p:pic>
-    </p:spTree>
-  </p:cSld>
-  <p:clrMapOvr>
-    <a:masterClrMapping/>
-  </p:clrMapOvr>
-  <p:timing>
-    <p:tnLst>
-      <p:par>
-        <p:cTn id="1" dur="indefinite" restart="never" nodeType="tmRoot"/>
-      </p:par>
-    </p:tnLst>
-  </p:timing>
-</p:sld>
-</file>
-
-<file path=ppt/slides/slide9.xml><?xml version="1.0" encoding="utf-8"?>
-<p:sld xmlns:a="http://schemas.openxmlformats.org/drawingml/2006/main" xmlns:r="http://schemas.openxmlformats.org/officeDocument/2006/relationships" xmlns:p="http://schemas.openxmlformats.org/presentationml/2006/main">
-  <p:cSld>
-    <p:spTree>
-      <p:nvGrpSpPr>
-        <p:cNvPr id="1" name=""/>
-        <p:cNvGrpSpPr/>
-        <p:nvPr/>
-      </p:nvGrpSpPr>
-      <p:grpSpPr>
-        <a:xfrm>
-          <a:off x="0" y="0"/>
-          <a:ext cx="0" cy="0"/>
-          <a:chOff x="0" y="0"/>
-          <a:chExt cx="0" cy="0"/>
-        </a:xfrm>
-      </p:grpSpPr>
-      <p:sp>
-        <p:nvSpPr>
-          <p:cNvPr id="2" name="Title 1"/>
-          <p:cNvSpPr>
-            <a:spLocks noGrp="1"/>
-          </p:cNvSpPr>
-          <p:nvPr>
-            <p:ph type="title"/>
-          </p:nvPr>
-        </p:nvSpPr>
-        <p:spPr/>
-        <p:style>
-          <a:lnRef idx="1">
-            <a:schemeClr val="accent4"/>
-          </a:lnRef>
-          <a:fillRef idx="2">
-            <a:schemeClr val="accent4"/>
-          </a:fillRef>
-          <a:effectRef idx="1">
-            <a:schemeClr val="accent4"/>
-          </a:effectRef>
-          <a:fontRef idx="minor">
-            <a:schemeClr val="dk1"/>
-          </a:fontRef>
-        </p:style>
-        <p:txBody>
-          <a:bodyPr>
-            <a:normAutofit/>
-          </a:bodyPr>
-          <a:lstStyle/>
-          <a:p>
-            <a:r>
-              <a:rPr lang="he-IL" dirty="0" smtClean="0"/>
-              <a:t>אשרור</a:t>
-            </a:r>
-            <a:endParaRPr lang="he-IL" dirty="0"/>
-          </a:p>
-        </p:txBody>
-      </p:sp>
-      <p:sp>
-        <p:nvSpPr>
-          <p:cNvPr id="3" name="Content Placeholder 2"/>
-          <p:cNvSpPr>
-            <a:spLocks noGrp="1"/>
-          </p:cNvSpPr>
-          <p:nvPr>
-            <p:ph idx="1"/>
-          </p:nvPr>
-        </p:nvSpPr>
-        <p:spPr>
-          <a:xfrm>
-            <a:off x="3124200" y="1600200"/>
-            <a:ext cx="5562600" cy="4709160"/>
-          </a:xfrm>
-        </p:spPr>
-        <p:txBody>
-          <a:bodyPr>
-            <a:normAutofit/>
-          </a:bodyPr>
-          <a:lstStyle/>
-          <a:p>
-            <a:pPr>
-              <a:buNone/>
-            </a:pPr>
-            <a:r>
-              <a:rPr lang="he-IL" dirty="0" smtClean="0"/>
-              <a:t>לאחר שמשתמש סיים לבחור את התצורה, יופיע בפניו מסך סיכום ואישור כי הוא אכן הזין את הנתונים כפי שרצה.</a:t>
-            </a:r>
-          </a:p>
-          <a:p>
-            <a:pPr>
-              <a:buNone/>
-            </a:pPr>
-            <a:r>
-              <a:rPr lang="he-IL" dirty="0" smtClean="0"/>
-              <a:t>אם קרה מצב שבו ישנה סתירה בנתונים, או ישנם נתונים שגויים, המערכת תתריע בפני המשתמש.</a:t>
-            </a:r>
-          </a:p>
-          <a:p>
-            <a:pPr>
-              <a:buNone/>
-            </a:pPr>
-            <a:endParaRPr lang="he-IL" sz="2000" dirty="0" smtClean="0"/>
-          </a:p>
-          <a:p>
-            <a:pPr>
-              <a:buNone/>
-            </a:pPr>
-            <a:r>
-              <a:rPr lang="he-IL" sz="2000" dirty="0" smtClean="0"/>
-              <a:t>! חשוב לציין, המערכת הינה גנרית וככזו היא אינה יכולה לבדוק מראש כל טעות אפשרית ולכן הזנת הנתונים היא קודם כל באחריות המשתמש!</a:t>
-            </a:r>
-          </a:p>
-        </p:txBody>
-      </p:sp>
-      <p:pic>
-        <p:nvPicPr>
-          <p:cNvPr id="7" name="Picture 6"/>
-          <p:cNvPicPr/>
-          <p:nvPr/>
-        </p:nvPicPr>
-        <p:blipFill>
-          <a:blip r:embed="rId2" cstate="print"/>
-          <a:srcRect/>
-          <a:stretch>
-            <a:fillRect/>
-          </a:stretch>
-        </p:blipFill>
-        <p:spPr bwMode="auto">
-          <a:xfrm>
-            <a:off x="304800" y="1828800"/>
-            <a:ext cx="2667000" cy="4784163"/>
           </a:xfrm>
           <a:prstGeom prst="rect">
             <a:avLst/>
